--- a/nlp/毕业论文/委婉语检测/制图/新建 Microsoft PowerPoint 演示文稿.pptx
+++ b/nlp/毕业论文/委婉语检测/制图/新建 Microsoft PowerPoint 演示文稿.pptx
@@ -6,10 +6,11 @@
   </p:sldMasterIdLst>
   <p:sldIdLst>
     <p:sldId id="260" r:id="rId2"/>
-    <p:sldId id="256" r:id="rId3"/>
-    <p:sldId id="257" r:id="rId4"/>
-    <p:sldId id="258" r:id="rId5"/>
-    <p:sldId id="259" r:id="rId6"/>
+    <p:sldId id="261" r:id="rId3"/>
+    <p:sldId id="256" r:id="rId4"/>
+    <p:sldId id="257" r:id="rId5"/>
+    <p:sldId id="258" r:id="rId6"/>
+    <p:sldId id="259" r:id="rId7"/>
   </p:sldIdLst>
   <p:sldSz cx="12192000" cy="6858000"/>
   <p:notesSz cx="6858000" cy="9144000"/>
@@ -263,7 +264,7 @@
           <a:p>
             <a:fld id="{22AF9C23-8593-40DB-AB2B-E0673472928C}" type="datetimeFigureOut">
               <a:rPr lang="zh-CN" altLang="en-US" smtClean="0"/>
-              <a:t>2021/11/24</a:t>
+              <a:t>2021/11/29</a:t>
             </a:fld>
             <a:endParaRPr lang="zh-CN" altLang="en-US"/>
           </a:p>
@@ -461,7 +462,7 @@
           <a:p>
             <a:fld id="{22AF9C23-8593-40DB-AB2B-E0673472928C}" type="datetimeFigureOut">
               <a:rPr lang="zh-CN" altLang="en-US" smtClean="0"/>
-              <a:t>2021/11/24</a:t>
+              <a:t>2021/11/29</a:t>
             </a:fld>
             <a:endParaRPr lang="zh-CN" altLang="en-US"/>
           </a:p>
@@ -669,7 +670,7 @@
           <a:p>
             <a:fld id="{22AF9C23-8593-40DB-AB2B-E0673472928C}" type="datetimeFigureOut">
               <a:rPr lang="zh-CN" altLang="en-US" smtClean="0"/>
-              <a:t>2021/11/24</a:t>
+              <a:t>2021/11/29</a:t>
             </a:fld>
             <a:endParaRPr lang="zh-CN" altLang="en-US"/>
           </a:p>
@@ -867,7 +868,7 @@
           <a:p>
             <a:fld id="{22AF9C23-8593-40DB-AB2B-E0673472928C}" type="datetimeFigureOut">
               <a:rPr lang="zh-CN" altLang="en-US" smtClean="0"/>
-              <a:t>2021/11/24</a:t>
+              <a:t>2021/11/29</a:t>
             </a:fld>
             <a:endParaRPr lang="zh-CN" altLang="en-US"/>
           </a:p>
@@ -1142,7 +1143,7 @@
           <a:p>
             <a:fld id="{22AF9C23-8593-40DB-AB2B-E0673472928C}" type="datetimeFigureOut">
               <a:rPr lang="zh-CN" altLang="en-US" smtClean="0"/>
-              <a:t>2021/11/24</a:t>
+              <a:t>2021/11/29</a:t>
             </a:fld>
             <a:endParaRPr lang="zh-CN" altLang="en-US"/>
           </a:p>
@@ -1407,7 +1408,7 @@
           <a:p>
             <a:fld id="{22AF9C23-8593-40DB-AB2B-E0673472928C}" type="datetimeFigureOut">
               <a:rPr lang="zh-CN" altLang="en-US" smtClean="0"/>
-              <a:t>2021/11/24</a:t>
+              <a:t>2021/11/29</a:t>
             </a:fld>
             <a:endParaRPr lang="zh-CN" altLang="en-US"/>
           </a:p>
@@ -1819,7 +1820,7 @@
           <a:p>
             <a:fld id="{22AF9C23-8593-40DB-AB2B-E0673472928C}" type="datetimeFigureOut">
               <a:rPr lang="zh-CN" altLang="en-US" smtClean="0"/>
-              <a:t>2021/11/24</a:t>
+              <a:t>2021/11/29</a:t>
             </a:fld>
             <a:endParaRPr lang="zh-CN" altLang="en-US"/>
           </a:p>
@@ -1960,7 +1961,7 @@
           <a:p>
             <a:fld id="{22AF9C23-8593-40DB-AB2B-E0673472928C}" type="datetimeFigureOut">
               <a:rPr lang="zh-CN" altLang="en-US" smtClean="0"/>
-              <a:t>2021/11/24</a:t>
+              <a:t>2021/11/29</a:t>
             </a:fld>
             <a:endParaRPr lang="zh-CN" altLang="en-US"/>
           </a:p>
@@ -2073,7 +2074,7 @@
           <a:p>
             <a:fld id="{22AF9C23-8593-40DB-AB2B-E0673472928C}" type="datetimeFigureOut">
               <a:rPr lang="zh-CN" altLang="en-US" smtClean="0"/>
-              <a:t>2021/11/24</a:t>
+              <a:t>2021/11/29</a:t>
             </a:fld>
             <a:endParaRPr lang="zh-CN" altLang="en-US"/>
           </a:p>
@@ -2384,7 +2385,7 @@
           <a:p>
             <a:fld id="{22AF9C23-8593-40DB-AB2B-E0673472928C}" type="datetimeFigureOut">
               <a:rPr lang="zh-CN" altLang="en-US" smtClean="0"/>
-              <a:t>2021/11/24</a:t>
+              <a:t>2021/11/29</a:t>
             </a:fld>
             <a:endParaRPr lang="zh-CN" altLang="en-US"/>
           </a:p>
@@ -2672,7 +2673,7 @@
           <a:p>
             <a:fld id="{22AF9C23-8593-40DB-AB2B-E0673472928C}" type="datetimeFigureOut">
               <a:rPr lang="zh-CN" altLang="en-US" smtClean="0"/>
-              <a:t>2021/11/24</a:t>
+              <a:t>2021/11/29</a:t>
             </a:fld>
             <a:endParaRPr lang="zh-CN" altLang="en-US"/>
           </a:p>
@@ -2913,7 +2914,7 @@
           <a:p>
             <a:fld id="{22AF9C23-8593-40DB-AB2B-E0673472928C}" type="datetimeFigureOut">
               <a:rPr lang="zh-CN" altLang="en-US" smtClean="0"/>
-              <a:t>2021/11/24</a:t>
+              <a:t>2021/11/29</a:t>
             </a:fld>
             <a:endParaRPr lang="zh-CN" altLang="en-US"/>
           </a:p>
@@ -3408,7 +3409,7 @@
             </a:r>
             <a:r>
               <a:rPr lang="zh-CN" altLang="en-US" sz="1600" dirty="0"/>
-              <a:t>掩码模型，使用自监督方式规避了标注过程同时在不同的数据上鲁棒性较好。该方法训练方法</a:t>
+              <a:t>掩码模型，使用自监督方式规避了标注过程同时在不同的数据上鲁棒性较好。所使用的自监督方法中的</a:t>
             </a:r>
             <a:r>
               <a:rPr lang="en-US" altLang="zh-CN" sz="1600" dirty="0"/>
@@ -3416,15 +3417,7 @@
             </a:r>
             <a:r>
               <a:rPr lang="zh-CN" altLang="en-US" sz="1600" dirty="0"/>
-              <a:t>（令</a:t>
-            </a:r>
-            <a:r>
-              <a:rPr lang="en-US" altLang="zh-CN" sz="1600" dirty="0"/>
-              <a:t>MLM</a:t>
-            </a:r>
-            <a:r>
-              <a:rPr lang="zh-CN" altLang="en-US" sz="1600" dirty="0"/>
-              <a:t>模型在黑暗语料上进行类似完型填空的训练）与识别黑暗术语目标并不完全一致，模型准确度偏低。如何对模型进行改进，在不影响鲁棒性的情况下，提高对术语识别的准确性。</a:t>
+              <a:t>过程并不稳定导致模型准确度偏低。在不影响鲁棒性的情况下，如何进行改进，提高对术语识别的准确性。</a:t>
             </a:r>
             <a:endParaRPr lang="en-US" altLang="zh-CN" sz="1600" dirty="0"/>
           </a:p>
@@ -3435,15 +3428,11 @@
             </a:r>
             <a:r>
               <a:rPr lang="zh-CN" altLang="en-US" sz="1600" dirty="0"/>
-              <a:t>如何识别黑暗语料。随着现有监管力度的加大，许多黑暗论坛遭到封禁。无论监督模型和自监督模型都需要黑暗语料来作为数据集或待标注数据原料。随着许多论坛的封禁消失，过去爬取特定网页信息的方式已经不太可行。</a:t>
-            </a:r>
-            <a:r>
-              <a:rPr lang="en-US" altLang="zh-CN" sz="1600" dirty="0" err="1"/>
-              <a:t>Wanzheng</a:t>
+              <a:t>如何识别黑暗语料。随着现有监管力度的加大，许多黑暗论坛遭到封禁。无论监督模型和自监督模型都需要黑暗语料作为数据集或待标注数据原料。随着许多论坛的封禁消失，过去爬取特定网页信息的方式已经不太可行。</a:t>
             </a:r>
             <a:r>
               <a:rPr lang="en-US" altLang="zh-CN" sz="1600" dirty="0"/>
-              <a:t> Zhu</a:t>
+              <a:t>Zhu</a:t>
             </a:r>
             <a:r>
               <a:rPr lang="zh-CN" altLang="en-US" sz="1600" dirty="0"/>
@@ -3479,7 +3468,7 @@
             </a:r>
             <a:r>
               <a:rPr lang="zh-CN" altLang="en-US" sz="1600" dirty="0"/>
-              <a:t>年后许多论坛的被监察消失。但论坛消失不代表犯罪交流的结束，违法者往往会在社交媒体上进行更为隐蔽的交流。对于一个机器学习模型而言，数据是否足够很大程度上会影响模型的鲁棒性，而数据是否够新则决定模型能否捕捉语料中上下文的新的变化。如何在海量社交媒体数据中区分出黑暗语料和非黑暗语料是一个重要问题。</a:t>
+              <a:t>年后许多论坛的消失。但论坛消失不代表犯罪交流的结束，违法者往往会在社交媒体上进行更为隐蔽的交流。对于一个机器学习模型而言，数据是否足够很大程度上会影响模型的鲁棒性，而数据是否够新则决定模型能否捕捉语料中上下文的新的变化。如何在海量社交媒体数据中区分出黑暗语料和非黑暗语料是一个重要问题。</a:t>
             </a:r>
             <a:endParaRPr lang="en-US" altLang="zh-CN" sz="1600" dirty="0"/>
           </a:p>
@@ -3490,23 +3479,15 @@
             </a:r>
             <a:r>
               <a:rPr lang="zh-CN" altLang="en-US" sz="1600" dirty="0"/>
-              <a:t>如何即时确定黑暗术语使用。对于内容审查而言，关键部分是确定一句话是否使用了黑暗术语来表达违禁含义。过去的研究都着眼于一个词是否被用来表达违禁含义，这样的结果无法直接用于审查系统（大量的黑暗术语不仅仅有违禁含义还有无害含义，给审查带来混淆）。</a:t>
+              <a:t>如何即时确定黑暗术语使用。对于内容审查而言，关键部分是确定一句话是否使用了黑暗术语来表达违禁含义。过去的研究都着眼于一个词是否被用来表达违禁含义，这样的结果无法直接用于审查系统（大量的黑暗术语不仅仅有违禁含义还有无害含义，给审查带来混淆）。 </a:t>
             </a:r>
             <a:r>
               <a:rPr lang="en-US" altLang="zh-CN" sz="1600" dirty="0"/>
-              <a:t> </a:t>
-            </a:r>
-            <a:r>
-              <a:rPr lang="en-US" altLang="zh-CN" sz="1600" dirty="0" err="1"/>
-              <a:t>Wanzheng</a:t>
-            </a:r>
-            <a:r>
-              <a:rPr lang="en-US" altLang="zh-CN" sz="1600" dirty="0"/>
-              <a:t> Zhu</a:t>
+              <a:t>Zhu</a:t>
             </a:r>
             <a:r>
               <a:rPr lang="zh-CN" altLang="en-US" sz="1600" dirty="0"/>
-              <a:t>等人做了词义鉴别的工作，但鉴别结果是某个词在语料下的语义分布，与我们所需求的目标（即判断一句话中黑暗术语是否使用了违禁含义）不符。</a:t>
+              <a:t>等人做了词义鉴别的工作，但鉴别结果是某个词在语料下的语义分布，与我们所需求的判断一句话中黑暗术语是否使用了违禁含义的目标不符。</a:t>
             </a:r>
           </a:p>
         </p:txBody>
@@ -3543,745 +3524,126 @@
       </p:grpSpPr>
       <p:sp>
         <p:nvSpPr>
-          <p:cNvPr id="4" name="矩形 3">
-            <a:extLst>
-              <a:ext uri="{FF2B5EF4-FFF2-40B4-BE49-F238E27FC236}">
-                <a16:creationId xmlns:a16="http://schemas.microsoft.com/office/drawing/2014/main" id="{24D9AD59-CB3F-4B3C-A9E9-4E63BA88D169}"/>
-              </a:ext>
-            </a:extLst>
-          </p:cNvPr>
-          <p:cNvSpPr/>
-          <p:nvPr/>
-        </p:nvSpPr>
-        <p:spPr>
-          <a:xfrm>
-            <a:off x="4461934" y="601122"/>
-            <a:ext cx="1879600" cy="1117611"/>
-          </a:xfrm>
-          <a:prstGeom prst="rect">
-            <a:avLst/>
-          </a:prstGeom>
-          <a:solidFill>
-            <a:schemeClr val="bg1"/>
-          </a:solidFill>
-        </p:spPr>
-        <p:style>
-          <a:lnRef idx="2">
-            <a:schemeClr val="accent1">
-              <a:shade val="50000"/>
-            </a:schemeClr>
-          </a:lnRef>
-          <a:fillRef idx="1">
-            <a:schemeClr val="accent1"/>
-          </a:fillRef>
-          <a:effectRef idx="0">
-            <a:schemeClr val="accent1"/>
-          </a:effectRef>
-          <a:fontRef idx="minor">
-            <a:schemeClr val="lt1"/>
-          </a:fontRef>
-        </p:style>
-        <p:txBody>
-          <a:bodyPr rtlCol="0" anchor="ctr"/>
-          <a:lstStyle/>
-          <a:p>
-            <a:pPr algn="ctr"/>
-            <a:r>
-              <a:rPr lang="zh-CN" altLang="en-US" sz="1600" dirty="0">
-                <a:solidFill>
-                  <a:schemeClr val="tx1"/>
-                </a:solidFill>
-              </a:rPr>
-              <a:t>关键字筛选模块</a:t>
-            </a:r>
-            <a:endParaRPr lang="en-US" altLang="zh-CN" sz="1600" dirty="0">
-              <a:solidFill>
-                <a:schemeClr val="tx1"/>
-              </a:solidFill>
-            </a:endParaRPr>
-          </a:p>
-          <a:p>
-            <a:pPr algn="ctr"/>
-            <a:r>
-              <a:rPr lang="en-US" altLang="zh-CN" sz="1600" dirty="0">
-                <a:solidFill>
-                  <a:schemeClr val="tx1"/>
-                </a:solidFill>
-              </a:rPr>
-              <a:t>select(sentence)</a:t>
-            </a:r>
-            <a:endParaRPr lang="zh-CN" altLang="en-US" sz="1600" dirty="0">
-              <a:solidFill>
-                <a:schemeClr val="tx1"/>
-              </a:solidFill>
-            </a:endParaRPr>
-          </a:p>
-        </p:txBody>
-      </p:sp>
-      <p:sp>
-        <p:nvSpPr>
-          <p:cNvPr id="5" name="矩形 4">
-            <a:extLst>
-              <a:ext uri="{FF2B5EF4-FFF2-40B4-BE49-F238E27FC236}">
-                <a16:creationId xmlns:a16="http://schemas.microsoft.com/office/drawing/2014/main" id="{E21F2685-1586-41FD-8A11-0E49335AA928}"/>
-              </a:ext>
-            </a:extLst>
-          </p:cNvPr>
-          <p:cNvSpPr/>
-          <p:nvPr/>
-        </p:nvSpPr>
-        <p:spPr>
-          <a:xfrm>
-            <a:off x="2899835" y="2599247"/>
-            <a:ext cx="2429932" cy="1185344"/>
-          </a:xfrm>
-          <a:prstGeom prst="rect">
-            <a:avLst/>
-          </a:prstGeom>
-          <a:solidFill>
-            <a:schemeClr val="bg1"/>
-          </a:solidFill>
-        </p:spPr>
-        <p:style>
-          <a:lnRef idx="2">
-            <a:schemeClr val="accent1">
-              <a:shade val="50000"/>
-            </a:schemeClr>
-          </a:lnRef>
-          <a:fillRef idx="1">
-            <a:schemeClr val="accent1"/>
-          </a:fillRef>
-          <a:effectRef idx="0">
-            <a:schemeClr val="accent1"/>
-          </a:effectRef>
-          <a:fontRef idx="minor">
-            <a:schemeClr val="lt1"/>
-          </a:fontRef>
-        </p:style>
-        <p:txBody>
-          <a:bodyPr rtlCol="0" anchor="ctr"/>
-          <a:lstStyle/>
-          <a:p>
-            <a:pPr algn="ctr"/>
-            <a:r>
-              <a:rPr lang="zh-CN" altLang="en-US" sz="1600" dirty="0">
-                <a:solidFill>
-                  <a:schemeClr val="tx1"/>
-                </a:solidFill>
-              </a:rPr>
-              <a:t>新词发现模块</a:t>
-            </a:r>
-            <a:endParaRPr lang="en-US" altLang="zh-CN" sz="1600" dirty="0">
-              <a:solidFill>
-                <a:schemeClr val="tx1"/>
-              </a:solidFill>
-            </a:endParaRPr>
-          </a:p>
-          <a:p>
-            <a:pPr algn="ctr"/>
-            <a:r>
-              <a:rPr lang="en-US" altLang="zh-CN" sz="1600" dirty="0">
-                <a:solidFill>
-                  <a:schemeClr val="tx1"/>
-                </a:solidFill>
-              </a:rPr>
-              <a:t>New_word=input(context)</a:t>
-            </a:r>
-            <a:endParaRPr lang="zh-CN" altLang="en-US" sz="1600" dirty="0">
-              <a:solidFill>
-                <a:schemeClr val="tx1"/>
-              </a:solidFill>
-            </a:endParaRPr>
-          </a:p>
-        </p:txBody>
-      </p:sp>
-      <p:sp>
-        <p:nvSpPr>
-          <p:cNvPr id="6" name="矩形 5">
-            <a:extLst>
-              <a:ext uri="{FF2B5EF4-FFF2-40B4-BE49-F238E27FC236}">
-                <a16:creationId xmlns:a16="http://schemas.microsoft.com/office/drawing/2014/main" id="{96E7489E-F1F9-46F9-BEFF-66D689A066E4}"/>
-              </a:ext>
-            </a:extLst>
-          </p:cNvPr>
-          <p:cNvSpPr/>
-          <p:nvPr/>
-        </p:nvSpPr>
-        <p:spPr>
-          <a:xfrm>
-            <a:off x="7135282" y="2599247"/>
-            <a:ext cx="1735666" cy="1185344"/>
-          </a:xfrm>
-          <a:prstGeom prst="rect">
-            <a:avLst/>
-          </a:prstGeom>
-          <a:solidFill>
-            <a:schemeClr val="bg1"/>
-          </a:solidFill>
-        </p:spPr>
-        <p:style>
-          <a:lnRef idx="2">
-            <a:schemeClr val="accent1">
-              <a:shade val="50000"/>
-            </a:schemeClr>
-          </a:lnRef>
-          <a:fillRef idx="1">
-            <a:schemeClr val="accent1"/>
-          </a:fillRef>
-          <a:effectRef idx="0">
-            <a:schemeClr val="accent1"/>
-          </a:effectRef>
-          <a:fontRef idx="minor">
-            <a:schemeClr val="lt1"/>
-          </a:fontRef>
-        </p:style>
-        <p:txBody>
-          <a:bodyPr rtlCol="0" anchor="ctr"/>
-          <a:lstStyle/>
-          <a:p>
-            <a:pPr algn="ctr"/>
-            <a:r>
-              <a:rPr lang="zh-CN" altLang="en-US" sz="1600" dirty="0">
-                <a:solidFill>
-                  <a:schemeClr val="tx1"/>
-                </a:solidFill>
-              </a:rPr>
-              <a:t>风格匹配模块</a:t>
-            </a:r>
-            <a:endParaRPr lang="en-US" altLang="zh-CN" sz="1600" dirty="0">
-              <a:solidFill>
-                <a:schemeClr val="tx1"/>
-              </a:solidFill>
-            </a:endParaRPr>
-          </a:p>
-          <a:p>
-            <a:pPr algn="ctr"/>
-            <a:r>
-              <a:rPr lang="en-US" altLang="zh-CN" sz="1600" dirty="0">
-                <a:solidFill>
-                  <a:schemeClr val="tx1"/>
-                </a:solidFill>
-              </a:rPr>
-              <a:t>Similarity</a:t>
-            </a:r>
-            <a:r>
-              <a:rPr lang="zh-CN" altLang="en-US" sz="1600" dirty="0">
-                <a:solidFill>
-                  <a:schemeClr val="tx1"/>
-                </a:solidFill>
-              </a:rPr>
-              <a:t>（</a:t>
-            </a:r>
-            <a:r>
-              <a:rPr lang="en-US" altLang="zh-CN" sz="1600" dirty="0">
-                <a:solidFill>
-                  <a:schemeClr val="tx1"/>
-                </a:solidFill>
-              </a:rPr>
-              <a:t>input_a,input_b</a:t>
-            </a:r>
-            <a:r>
-              <a:rPr lang="zh-CN" altLang="en-US" sz="1600" dirty="0">
-                <a:solidFill>
-                  <a:schemeClr val="tx1"/>
-                </a:solidFill>
-              </a:rPr>
-              <a:t>）</a:t>
-            </a:r>
-          </a:p>
-        </p:txBody>
-      </p:sp>
-      <p:sp>
-        <p:nvSpPr>
-          <p:cNvPr id="7" name="云形 6">
-            <a:extLst>
-              <a:ext uri="{FF2B5EF4-FFF2-40B4-BE49-F238E27FC236}">
-                <a16:creationId xmlns:a16="http://schemas.microsoft.com/office/drawing/2014/main" id="{760C4DFB-CC20-4A46-8D1C-8B145EEBC9C6}"/>
-              </a:ext>
-            </a:extLst>
-          </p:cNvPr>
-          <p:cNvSpPr/>
-          <p:nvPr/>
-        </p:nvSpPr>
-        <p:spPr>
-          <a:xfrm>
-            <a:off x="2201336" y="766224"/>
-            <a:ext cx="1244599" cy="787405"/>
-          </a:xfrm>
-          <a:prstGeom prst="cloud">
-            <a:avLst/>
-          </a:prstGeom>
-          <a:solidFill>
-            <a:schemeClr val="bg1"/>
-          </a:solidFill>
-        </p:spPr>
-        <p:style>
-          <a:lnRef idx="2">
-            <a:schemeClr val="accent1">
-              <a:shade val="50000"/>
-            </a:schemeClr>
-          </a:lnRef>
-          <a:fillRef idx="1">
-            <a:schemeClr val="accent1"/>
-          </a:fillRef>
-          <a:effectRef idx="0">
-            <a:schemeClr val="accent1"/>
-          </a:effectRef>
-          <a:fontRef idx="minor">
-            <a:schemeClr val="lt1"/>
-          </a:fontRef>
-        </p:style>
-        <p:txBody>
-          <a:bodyPr rtlCol="0" anchor="ctr"/>
-          <a:lstStyle/>
-          <a:p>
-            <a:pPr algn="ctr"/>
-            <a:r>
-              <a:rPr lang="zh-CN" altLang="en-US" sz="1600" dirty="0">
-                <a:solidFill>
-                  <a:schemeClr val="tx1"/>
-                </a:solidFill>
-              </a:rPr>
-              <a:t>原始语料</a:t>
-            </a:r>
-            <a:r>
-              <a:rPr lang="en-US" altLang="zh-CN" sz="1600" dirty="0">
-                <a:solidFill>
-                  <a:schemeClr val="tx1"/>
-                </a:solidFill>
-              </a:rPr>
-              <a:t>a</a:t>
-            </a:r>
-            <a:endParaRPr lang="zh-CN" altLang="en-US" sz="1600" dirty="0">
-              <a:solidFill>
-                <a:schemeClr val="tx1"/>
-              </a:solidFill>
-            </a:endParaRPr>
-          </a:p>
-        </p:txBody>
-      </p:sp>
-      <p:sp>
-        <p:nvSpPr>
-          <p:cNvPr id="8" name="云形 7">
-            <a:extLst>
-              <a:ext uri="{FF2B5EF4-FFF2-40B4-BE49-F238E27FC236}">
-                <a16:creationId xmlns:a16="http://schemas.microsoft.com/office/drawing/2014/main" id="{07F2242F-4A8E-412E-B78D-E68302402E05}"/>
-              </a:ext>
-            </a:extLst>
-          </p:cNvPr>
-          <p:cNvSpPr/>
-          <p:nvPr/>
-        </p:nvSpPr>
-        <p:spPr>
-          <a:xfrm>
-            <a:off x="7357533" y="766224"/>
-            <a:ext cx="1240617" cy="787405"/>
-          </a:xfrm>
-          <a:prstGeom prst="cloud">
-            <a:avLst/>
-          </a:prstGeom>
-          <a:solidFill>
-            <a:schemeClr val="bg1"/>
-          </a:solidFill>
-        </p:spPr>
-        <p:style>
-          <a:lnRef idx="2">
-            <a:schemeClr val="accent1">
-              <a:shade val="50000"/>
-            </a:schemeClr>
-          </a:lnRef>
-          <a:fillRef idx="1">
-            <a:schemeClr val="accent1"/>
-          </a:fillRef>
-          <a:effectRef idx="0">
-            <a:schemeClr val="accent1"/>
-          </a:effectRef>
-          <a:fontRef idx="minor">
-            <a:schemeClr val="lt1"/>
-          </a:fontRef>
-        </p:style>
-        <p:txBody>
-          <a:bodyPr rtlCol="0" anchor="ctr"/>
-          <a:lstStyle/>
-          <a:p>
-            <a:pPr algn="ctr"/>
-            <a:r>
-              <a:rPr lang="zh-CN" altLang="en-US" sz="1600" dirty="0">
-                <a:solidFill>
-                  <a:schemeClr val="tx1"/>
-                </a:solidFill>
-              </a:rPr>
-              <a:t>关键字语料</a:t>
-            </a:r>
-            <a:r>
-              <a:rPr lang="en-US" altLang="zh-CN" sz="1600" dirty="0">
-                <a:solidFill>
-                  <a:schemeClr val="tx1"/>
-                </a:solidFill>
-              </a:rPr>
-              <a:t>b</a:t>
-            </a:r>
-            <a:endParaRPr lang="zh-CN" altLang="en-US" sz="1600" dirty="0">
-              <a:solidFill>
-                <a:schemeClr val="tx1"/>
-              </a:solidFill>
-            </a:endParaRPr>
-          </a:p>
-        </p:txBody>
-      </p:sp>
-      <p:cxnSp>
-        <p:nvCxnSpPr>
-          <p:cNvPr id="10" name="直接箭头连接符 9">
-            <a:extLst>
-              <a:ext uri="{FF2B5EF4-FFF2-40B4-BE49-F238E27FC236}">
-                <a16:creationId xmlns:a16="http://schemas.microsoft.com/office/drawing/2014/main" id="{CB89987E-7E13-46A6-8336-0D4ED5B7DD95}"/>
-              </a:ext>
-            </a:extLst>
-          </p:cNvPr>
-          <p:cNvCxnSpPr>
-            <a:stCxn id="7" idx="0"/>
-            <a:endCxn id="4" idx="1"/>
-          </p:cNvCxnSpPr>
-          <p:nvPr/>
-        </p:nvCxnSpPr>
-        <p:spPr>
-          <a:xfrm>
-            <a:off x="3444898" y="1159927"/>
-            <a:ext cx="1017036" cy="1"/>
-          </a:xfrm>
-          <a:prstGeom prst="straightConnector1">
-            <a:avLst/>
-          </a:prstGeom>
-          <a:ln>
-            <a:tailEnd type="triangle"/>
-          </a:ln>
-        </p:spPr>
-        <p:style>
-          <a:lnRef idx="1">
-            <a:schemeClr val="accent1"/>
-          </a:lnRef>
-          <a:fillRef idx="0">
-            <a:schemeClr val="accent1"/>
-          </a:fillRef>
-          <a:effectRef idx="0">
-            <a:schemeClr val="accent1"/>
-          </a:effectRef>
-          <a:fontRef idx="minor">
-            <a:schemeClr val="tx1"/>
-          </a:fontRef>
-        </p:style>
-      </p:cxnSp>
-      <p:cxnSp>
-        <p:nvCxnSpPr>
-          <p:cNvPr id="11" name="直接箭头连接符 10">
-            <a:extLst>
-              <a:ext uri="{FF2B5EF4-FFF2-40B4-BE49-F238E27FC236}">
-                <a16:creationId xmlns:a16="http://schemas.microsoft.com/office/drawing/2014/main" id="{78690336-A11C-484A-9235-2FEF4523FEB4}"/>
-              </a:ext>
-            </a:extLst>
-          </p:cNvPr>
-          <p:cNvCxnSpPr/>
-          <p:nvPr/>
-        </p:nvCxnSpPr>
-        <p:spPr>
-          <a:xfrm>
-            <a:off x="6341534" y="1159925"/>
-            <a:ext cx="1017036" cy="1"/>
-          </a:xfrm>
-          <a:prstGeom prst="straightConnector1">
-            <a:avLst/>
-          </a:prstGeom>
-          <a:ln>
-            <a:tailEnd type="triangle"/>
-          </a:ln>
-        </p:spPr>
-        <p:style>
-          <a:lnRef idx="1">
-            <a:schemeClr val="accent1"/>
-          </a:lnRef>
-          <a:fillRef idx="0">
-            <a:schemeClr val="accent1"/>
-          </a:fillRef>
-          <a:effectRef idx="0">
-            <a:schemeClr val="accent1"/>
-          </a:effectRef>
-          <a:fontRef idx="minor">
-            <a:schemeClr val="tx1"/>
-          </a:fontRef>
-        </p:style>
-      </p:cxnSp>
-      <p:cxnSp>
-        <p:nvCxnSpPr>
-          <p:cNvPr id="13" name="直接箭头连接符 12">
-            <a:extLst>
-              <a:ext uri="{FF2B5EF4-FFF2-40B4-BE49-F238E27FC236}">
-                <a16:creationId xmlns:a16="http://schemas.microsoft.com/office/drawing/2014/main" id="{3058C8B5-A2C9-41FA-8A46-1D5066C6D8AF}"/>
-              </a:ext>
-            </a:extLst>
-          </p:cNvPr>
-          <p:cNvCxnSpPr>
-            <a:cxnSpLocks/>
-            <a:stCxn id="8" idx="1"/>
-          </p:cNvCxnSpPr>
-          <p:nvPr/>
-        </p:nvCxnSpPr>
-        <p:spPr>
-          <a:xfrm>
-            <a:off x="7977842" y="1552791"/>
-            <a:ext cx="25274" cy="1046456"/>
-          </a:xfrm>
-          <a:prstGeom prst="straightConnector1">
-            <a:avLst/>
-          </a:prstGeom>
-          <a:ln>
-            <a:tailEnd type="triangle"/>
-          </a:ln>
-        </p:spPr>
-        <p:style>
-          <a:lnRef idx="1">
-            <a:schemeClr val="dk1"/>
-          </a:lnRef>
-          <a:fillRef idx="0">
-            <a:schemeClr val="dk1"/>
-          </a:fillRef>
-          <a:effectRef idx="0">
-            <a:schemeClr val="dk1"/>
-          </a:effectRef>
-          <a:fontRef idx="minor">
-            <a:schemeClr val="tx1"/>
-          </a:fontRef>
-        </p:style>
-      </p:cxnSp>
-      <p:sp>
-        <p:nvSpPr>
-          <p:cNvPr id="16" name="文本框 15">
-            <a:extLst>
-              <a:ext uri="{FF2B5EF4-FFF2-40B4-BE49-F238E27FC236}">
-                <a16:creationId xmlns:a16="http://schemas.microsoft.com/office/drawing/2014/main" id="{6EA8F70F-2F2B-45E9-8418-DDF4C3FB72C0}"/>
-              </a:ext>
-            </a:extLst>
-          </p:cNvPr>
-          <p:cNvSpPr txBox="1"/>
-          <p:nvPr/>
-        </p:nvSpPr>
-        <p:spPr>
-          <a:xfrm>
-            <a:off x="8003115" y="1836632"/>
-            <a:ext cx="1082348" cy="307777"/>
-          </a:xfrm>
-          <a:prstGeom prst="rect">
-            <a:avLst/>
-          </a:prstGeom>
-          <a:noFill/>
-        </p:spPr>
-        <p:txBody>
-          <a:bodyPr wrap="none" rtlCol="0">
-            <a:spAutoFit/>
+          <p:cNvPr id="2" name="标题 1">
+            <a:extLst>
+              <a:ext uri="{FF2B5EF4-FFF2-40B4-BE49-F238E27FC236}">
+                <a16:creationId xmlns:a16="http://schemas.microsoft.com/office/drawing/2014/main" id="{CC8E0D39-D7F8-4C44-9D93-73DE3C89DE14}"/>
+              </a:ext>
+            </a:extLst>
+          </p:cNvPr>
+          <p:cNvSpPr>
+            <a:spLocks noGrp="1"/>
+          </p:cNvSpPr>
+          <p:nvPr>
+            <p:ph type="title"/>
+          </p:nvPr>
+        </p:nvSpPr>
+        <p:spPr/>
+        <p:txBody>
+          <a:bodyPr/>
+          <a:lstStyle/>
+          <a:p>
+            <a:r>
+              <a:rPr lang="zh-CN" altLang="en-US"/>
+              <a:t>研究内容</a:t>
+            </a:r>
+            <a:endParaRPr lang="zh-CN" altLang="en-US" dirty="0"/>
+          </a:p>
+        </p:txBody>
+      </p:sp>
+      <p:sp>
+        <p:nvSpPr>
+          <p:cNvPr id="3" name="内容占位符 2">
+            <a:extLst>
+              <a:ext uri="{FF2B5EF4-FFF2-40B4-BE49-F238E27FC236}">
+                <a16:creationId xmlns:a16="http://schemas.microsoft.com/office/drawing/2014/main" id="{8FA254F7-7A5D-4C24-9BC6-A63C6765FEDC}"/>
+              </a:ext>
+            </a:extLst>
+          </p:cNvPr>
+          <p:cNvSpPr>
+            <a:spLocks noGrp="1"/>
+          </p:cNvSpPr>
+          <p:nvPr>
+            <p:ph idx="1"/>
+          </p:nvPr>
+        </p:nvSpPr>
+        <p:spPr/>
+        <p:txBody>
+          <a:bodyPr>
+            <a:normAutofit/>
           </a:bodyPr>
           <a:lstStyle/>
           <a:p>
             <a:r>
-              <a:rPr lang="zh-CN" altLang="en-US" sz="1400" dirty="0"/>
-              <a:t>假阳性排除</a:t>
-            </a:r>
-          </a:p>
-        </p:txBody>
-      </p:sp>
-      <p:cxnSp>
-        <p:nvCxnSpPr>
-          <p:cNvPr id="17" name="直接箭头连接符 16">
-            <a:extLst>
-              <a:ext uri="{FF2B5EF4-FFF2-40B4-BE49-F238E27FC236}">
-                <a16:creationId xmlns:a16="http://schemas.microsoft.com/office/drawing/2014/main" id="{6E11948A-F18D-4489-A57F-1075019040EC}"/>
-              </a:ext>
-            </a:extLst>
-          </p:cNvPr>
-          <p:cNvCxnSpPr/>
-          <p:nvPr/>
-        </p:nvCxnSpPr>
-        <p:spPr>
-          <a:xfrm flipH="1">
-            <a:off x="8005229" y="3784591"/>
-            <a:ext cx="1" cy="1046456"/>
-          </a:xfrm>
-          <a:prstGeom prst="straightConnector1">
-            <a:avLst/>
-          </a:prstGeom>
-          <a:ln>
-            <a:tailEnd type="triangle"/>
-          </a:ln>
-        </p:spPr>
-        <p:style>
-          <a:lnRef idx="1">
-            <a:schemeClr val="dk1"/>
-          </a:lnRef>
-          <a:fillRef idx="0">
-            <a:schemeClr val="dk1"/>
-          </a:fillRef>
-          <a:effectRef idx="0">
-            <a:schemeClr val="dk1"/>
-          </a:effectRef>
-          <a:fontRef idx="minor">
-            <a:schemeClr val="tx1"/>
-          </a:fontRef>
-        </p:style>
-      </p:cxnSp>
-      <p:sp>
-        <p:nvSpPr>
-          <p:cNvPr id="18" name="文本框 17">
-            <a:extLst>
-              <a:ext uri="{FF2B5EF4-FFF2-40B4-BE49-F238E27FC236}">
-                <a16:creationId xmlns:a16="http://schemas.microsoft.com/office/drawing/2014/main" id="{5221F1E3-EE1C-4B0B-8182-C0FE4AE2E93B}"/>
-              </a:ext>
-            </a:extLst>
-          </p:cNvPr>
-          <p:cNvSpPr txBox="1"/>
-          <p:nvPr/>
-        </p:nvSpPr>
-        <p:spPr>
-          <a:xfrm>
-            <a:off x="8003115" y="4039375"/>
-            <a:ext cx="595035" cy="338554"/>
-          </a:xfrm>
-          <a:prstGeom prst="rect">
-            <a:avLst/>
-          </a:prstGeom>
-          <a:noFill/>
-        </p:spPr>
-        <p:txBody>
-          <a:bodyPr wrap="none" rtlCol="0">
-            <a:spAutoFit/>
-          </a:bodyPr>
-          <a:lstStyle/>
-          <a:p>
-            <a:r>
-              <a:rPr lang="zh-CN" altLang="en-US" sz="1600" dirty="0"/>
-              <a:t>交付</a:t>
-            </a:r>
-          </a:p>
-        </p:txBody>
-      </p:sp>
-      <p:cxnSp>
-        <p:nvCxnSpPr>
-          <p:cNvPr id="20" name="直接箭头连接符 19">
-            <a:extLst>
-              <a:ext uri="{FF2B5EF4-FFF2-40B4-BE49-F238E27FC236}">
-                <a16:creationId xmlns:a16="http://schemas.microsoft.com/office/drawing/2014/main" id="{46D57EE2-8403-43E2-9DB3-24EC42BF1D19}"/>
-              </a:ext>
-            </a:extLst>
-          </p:cNvPr>
-          <p:cNvCxnSpPr/>
-          <p:nvPr/>
-        </p:nvCxnSpPr>
-        <p:spPr>
-          <a:xfrm>
-            <a:off x="2899835" y="1552791"/>
-            <a:ext cx="4235447" cy="1046456"/>
-          </a:xfrm>
-          <a:prstGeom prst="straightConnector1">
-            <a:avLst/>
-          </a:prstGeom>
-          <a:ln>
-            <a:tailEnd type="triangle"/>
-          </a:ln>
-        </p:spPr>
-        <p:style>
-          <a:lnRef idx="2">
-            <a:schemeClr val="accent6"/>
-          </a:lnRef>
-          <a:fillRef idx="0">
-            <a:schemeClr val="accent6"/>
-          </a:fillRef>
-          <a:effectRef idx="1">
-            <a:schemeClr val="accent6"/>
-          </a:effectRef>
-          <a:fontRef idx="minor">
-            <a:schemeClr val="tx1"/>
-          </a:fontRef>
-        </p:style>
-      </p:cxnSp>
-      <p:cxnSp>
-        <p:nvCxnSpPr>
-          <p:cNvPr id="24" name="直接箭头连接符 23">
-            <a:extLst>
-              <a:ext uri="{FF2B5EF4-FFF2-40B4-BE49-F238E27FC236}">
-                <a16:creationId xmlns:a16="http://schemas.microsoft.com/office/drawing/2014/main" id="{0D2F3CED-D6B2-4DDD-9CA2-ABBFE2B43378}"/>
-              </a:ext>
-            </a:extLst>
-          </p:cNvPr>
-          <p:cNvCxnSpPr>
-            <a:cxnSpLocks/>
-            <a:stCxn id="6" idx="1"/>
-            <a:endCxn id="5" idx="3"/>
-          </p:cNvCxnSpPr>
-          <p:nvPr/>
-        </p:nvCxnSpPr>
-        <p:spPr>
-          <a:xfrm flipH="1">
-            <a:off x="5329767" y="3191919"/>
-            <a:ext cx="1805515" cy="0"/>
-          </a:xfrm>
-          <a:prstGeom prst="straightConnector1">
-            <a:avLst/>
-          </a:prstGeom>
-          <a:ln>
-            <a:tailEnd type="triangle"/>
-          </a:ln>
-        </p:spPr>
-        <p:style>
-          <a:lnRef idx="2">
-            <a:schemeClr val="accent6"/>
-          </a:lnRef>
-          <a:fillRef idx="0">
-            <a:schemeClr val="accent6"/>
-          </a:fillRef>
-          <a:effectRef idx="1">
-            <a:schemeClr val="accent6"/>
-          </a:effectRef>
-          <a:fontRef idx="minor">
-            <a:schemeClr val="tx1"/>
-          </a:fontRef>
-        </p:style>
-      </p:cxnSp>
-      <p:sp>
-        <p:nvSpPr>
-          <p:cNvPr id="26" name="文本框 25">
-            <a:extLst>
-              <a:ext uri="{FF2B5EF4-FFF2-40B4-BE49-F238E27FC236}">
-                <a16:creationId xmlns:a16="http://schemas.microsoft.com/office/drawing/2014/main" id="{E3623D14-286D-4C72-8903-DDE99D033291}"/>
-              </a:ext>
-            </a:extLst>
-          </p:cNvPr>
-          <p:cNvSpPr txBox="1"/>
-          <p:nvPr/>
-        </p:nvSpPr>
-        <p:spPr>
-          <a:xfrm>
-            <a:off x="5639464" y="2852731"/>
-            <a:ext cx="1005403" cy="338554"/>
-          </a:xfrm>
-          <a:prstGeom prst="rect">
-            <a:avLst/>
-          </a:prstGeom>
-          <a:noFill/>
-        </p:spPr>
-        <p:txBody>
-          <a:bodyPr wrap="none" rtlCol="0">
-            <a:spAutoFit/>
-          </a:bodyPr>
-          <a:lstStyle/>
-          <a:p>
-            <a:r>
-              <a:rPr lang="zh-CN" altLang="en-US" sz="1600" dirty="0"/>
-              <a:t>语料补充</a:t>
-            </a:r>
+              <a:rPr lang="en-US" altLang="zh-CN" sz="1800" dirty="0"/>
+              <a:t>1.</a:t>
+            </a:r>
+            <a:r>
+              <a:rPr lang="zh-CN" altLang="zh-CN" sz="1800" dirty="0"/>
+              <a:t>基于术语特性进行后处理。为了解决问题</a:t>
+            </a:r>
+            <a:r>
+              <a:rPr lang="en-US" altLang="zh-CN" sz="1800" dirty="0"/>
+              <a:t>1</a:t>
+            </a:r>
+            <a:r>
+              <a:rPr lang="zh-CN" altLang="zh-CN" sz="1800" dirty="0"/>
+              <a:t>，需要设计一些合适的后处理步骤，对</a:t>
+            </a:r>
+            <a:r>
+              <a:rPr lang="en-US" altLang="zh-CN" sz="1800" dirty="0"/>
+              <a:t>MLM</a:t>
+            </a:r>
+            <a:r>
+              <a:rPr lang="zh-CN" altLang="zh-CN" sz="1800" dirty="0"/>
+              <a:t>模型的结果进行后处理，排除错误答案，提高准确率同时不影响模型的鲁棒性。首先，需要收集大量术语数据，建立术语到禁用词的映射字典，研究所使用术语本身特点以及术语与禁用词的映射特点，将分析结果作为特征来构建后处理模型。</a:t>
+            </a:r>
+          </a:p>
+          <a:p>
+            <a:r>
+              <a:rPr lang="en-US" altLang="zh-CN" sz="1800" dirty="0"/>
+              <a:t>2.</a:t>
+            </a:r>
+            <a:r>
+              <a:rPr lang="zh-CN" altLang="zh-CN" sz="1800" dirty="0"/>
+              <a:t>基于社交媒体数据特点筛选黑暗语料。黑暗语料在社交媒体数据中只占极小的一部分，相应标签分布呈长尾状态。基于机器学习的分类算法应用于长尾分布数据集时，识别效果并不好。首先应该研究黑暗语料具有怎样的特点，社交数据能划成几个大的类别，黑暗语料能被分到哪些大的类别中，使用一个粗分类器进行大类的筛选。然后在大类内部进行细粒度的分类，对分类结果分析哪些类别易与黑暗语料混淆，如何规避混淆情况，尽可能以较快速度和准确率选取筛选出黑暗语料。</a:t>
+            </a:r>
+          </a:p>
+          <a:p>
+            <a:r>
+              <a:rPr lang="en-US" altLang="zh-CN" sz="1800" dirty="0"/>
+              <a:t>3.</a:t>
+            </a:r>
+            <a:r>
+              <a:rPr lang="zh-CN" altLang="zh-CN" sz="1800" dirty="0"/>
+              <a:t>基于禁用词列表和假阳性分析来确定术语的使用。利用研究</a:t>
+            </a:r>
+            <a:r>
+              <a:rPr lang="en-US" altLang="zh-CN" sz="1800" dirty="0"/>
+              <a:t>1</a:t>
+            </a:r>
+            <a:r>
+              <a:rPr lang="zh-CN" altLang="zh-CN" sz="1800" dirty="0"/>
+              <a:t>的结果构建禁用词列表来对内容进行筛查是一个高效的方式，但是由于术语存在的无害含义，会带来大量假阳性例子。需要研究如何区分术语的无害含义和违禁含义。</a:t>
+            </a:r>
+            <a:r>
+              <a:rPr lang="en-US" altLang="zh-CN" sz="1800" dirty="0"/>
+              <a:t>MLM</a:t>
+            </a:r>
+            <a:r>
+              <a:rPr lang="zh-CN" altLang="zh-CN" sz="1800" dirty="0"/>
+              <a:t>模型虽然具有区分不同上下文的能力，但会带来大量的时间消耗，不满足即时性的要求。首先应该研究词在非常规语义下的特点，进一步研究使用违禁词的句子特点，选取合适模型，结合消融实验构建合适的特征集合，确定术语使用。</a:t>
+            </a:r>
+          </a:p>
+          <a:p>
+            <a:endParaRPr lang="zh-CN" altLang="en-US" dirty="0"/>
           </a:p>
         </p:txBody>
       </p:sp>
     </p:spTree>
     <p:extLst>
       <p:ext uri="{BB962C8B-B14F-4D97-AF65-F5344CB8AC3E}">
-        <p14:creationId xmlns:p14="http://schemas.microsoft.com/office/powerpoint/2010/main" val="4118232126"/>
+        <p14:creationId xmlns:p14="http://schemas.microsoft.com/office/powerpoint/2010/main" val="1305044854"/>
       </p:ext>
     </p:extLst>
   </p:cSld>
@@ -4313,7 +3675,7 @@
           <p:cNvPr id="4" name="矩形 3">
             <a:extLst>
               <a:ext uri="{FF2B5EF4-FFF2-40B4-BE49-F238E27FC236}">
-                <a16:creationId xmlns:a16="http://schemas.microsoft.com/office/drawing/2014/main" id="{318BCE62-3709-48C5-9295-81484819C35C}"/>
+                <a16:creationId xmlns:a16="http://schemas.microsoft.com/office/drawing/2014/main" id="{24D9AD59-CB3F-4B3C-A9E9-4E63BA88D169}"/>
               </a:ext>
             </a:extLst>
           </p:cNvPr>
@@ -4322,8 +3684,8 @@
         </p:nvSpPr>
         <p:spPr>
           <a:xfrm>
-            <a:off x="590462" y="453980"/>
-            <a:ext cx="1452032" cy="849847"/>
+            <a:off x="4461934" y="601122"/>
+            <a:ext cx="1879600" cy="1117611"/>
           </a:xfrm>
           <a:prstGeom prst="rect">
             <a:avLst/>
@@ -4354,116 +3716,43 @@
           <a:p>
             <a:pPr algn="ctr"/>
             <a:r>
-              <a:rPr lang="zh-CN" altLang="en-US" sz="1600" dirty="0">
+              <a:rPr lang="zh-CN" altLang="en-US" sz="1400" dirty="0">
                 <a:solidFill>
                   <a:schemeClr val="tx1"/>
                 </a:solidFill>
               </a:rPr>
-              <a:t>新词发现模块</a:t>
-            </a:r>
-            <a:endParaRPr lang="en-US" altLang="zh-CN" sz="1600" dirty="0">
+              <a:t>关键字筛选模块</a:t>
+            </a:r>
+            <a:endParaRPr lang="en-US" altLang="zh-CN" sz="1400" dirty="0">
               <a:solidFill>
                 <a:schemeClr val="tx1"/>
               </a:solidFill>
             </a:endParaRPr>
           </a:p>
-        </p:txBody>
-      </p:sp>
-      <p:pic>
-        <p:nvPicPr>
-          <p:cNvPr id="6" name="图片 5">
-            <a:extLst>
-              <a:ext uri="{FF2B5EF4-FFF2-40B4-BE49-F238E27FC236}">
-                <a16:creationId xmlns:a16="http://schemas.microsoft.com/office/drawing/2014/main" id="{0F7A45D1-CE4F-40C3-8BBA-6057FE8358F1}"/>
-              </a:ext>
-            </a:extLst>
-          </p:cNvPr>
-          <p:cNvPicPr>
-            <a:picLocks noChangeAspect="1"/>
-          </p:cNvPicPr>
-          <p:nvPr/>
-        </p:nvPicPr>
-        <p:blipFill rotWithShape="1">
-          <a:blip r:embed="rId2"/>
-          <a:srcRect t="-194" r="10058" b="8761"/>
-          <a:stretch/>
-        </p:blipFill>
-        <p:spPr>
-          <a:xfrm>
-            <a:off x="8382289" y="1075837"/>
-            <a:ext cx="3725043" cy="3909794"/>
-          </a:xfrm>
-          <a:prstGeom prst="rect">
-            <a:avLst/>
-          </a:prstGeom>
-        </p:spPr>
-      </p:pic>
-      <p:pic>
-        <p:nvPicPr>
-          <p:cNvPr id="8" name="图片 7">
-            <a:extLst>
-              <a:ext uri="{FF2B5EF4-FFF2-40B4-BE49-F238E27FC236}">
-                <a16:creationId xmlns:a16="http://schemas.microsoft.com/office/drawing/2014/main" id="{9BBD9324-408A-48F3-9F05-839DD2A4E9EB}"/>
-              </a:ext>
-            </a:extLst>
-          </p:cNvPr>
-          <p:cNvPicPr>
-            <a:picLocks noChangeAspect="1"/>
-          </p:cNvPicPr>
-          <p:nvPr/>
-        </p:nvPicPr>
-        <p:blipFill>
-          <a:blip r:embed="rId3"/>
-          <a:stretch>
-            <a:fillRect/>
-          </a:stretch>
-        </p:blipFill>
-        <p:spPr>
-          <a:xfrm>
-            <a:off x="833501" y="2326080"/>
-            <a:ext cx="965954" cy="1064521"/>
-          </a:xfrm>
-          <a:prstGeom prst="rect">
-            <a:avLst/>
-          </a:prstGeom>
-        </p:spPr>
-      </p:pic>
-      <p:pic>
-        <p:nvPicPr>
-          <p:cNvPr id="9" name="图片 8">
-            <a:extLst>
-              <a:ext uri="{FF2B5EF4-FFF2-40B4-BE49-F238E27FC236}">
-                <a16:creationId xmlns:a16="http://schemas.microsoft.com/office/drawing/2014/main" id="{23722A4D-67DD-4FF2-A2EF-57B2205F4DC8}"/>
-              </a:ext>
-            </a:extLst>
-          </p:cNvPr>
-          <p:cNvPicPr>
-            <a:picLocks noChangeAspect="1"/>
-          </p:cNvPicPr>
-          <p:nvPr/>
-        </p:nvPicPr>
-        <p:blipFill>
-          <a:blip r:embed="rId4"/>
-          <a:stretch>
-            <a:fillRect/>
-          </a:stretch>
-        </p:blipFill>
-        <p:spPr>
-          <a:xfrm>
-            <a:off x="2587149" y="2119481"/>
-            <a:ext cx="1824895" cy="1477720"/>
-          </a:xfrm>
-          <a:prstGeom prst="rect">
-            <a:avLst/>
-          </a:prstGeom>
-        </p:spPr>
-      </p:pic>
-      <p:sp>
-        <p:nvSpPr>
-          <p:cNvPr id="10" name="矩形 9">
-            <a:extLst>
-              <a:ext uri="{FF2B5EF4-FFF2-40B4-BE49-F238E27FC236}">
-                <a16:creationId xmlns:a16="http://schemas.microsoft.com/office/drawing/2014/main" id="{8D5B28D0-DFB4-4CAC-B843-B24804FF0C02}"/>
+          <a:p>
+            <a:pPr algn="ctr"/>
+            <a:r>
+              <a:rPr lang="en-US" altLang="zh-CN" sz="1400" dirty="0">
+                <a:solidFill>
+                  <a:schemeClr val="tx1"/>
+                </a:solidFill>
+              </a:rPr>
+              <a:t>select(sentence)</a:t>
+            </a:r>
+            <a:endParaRPr lang="zh-CN" altLang="en-US" sz="1400" dirty="0">
+              <a:solidFill>
+                <a:schemeClr val="tx1"/>
+              </a:solidFill>
+            </a:endParaRPr>
+          </a:p>
+        </p:txBody>
+      </p:sp>
+      <p:sp>
+        <p:nvSpPr>
+          <p:cNvPr id="5" name="矩形 4">
+            <a:extLst>
+              <a:ext uri="{FF2B5EF4-FFF2-40B4-BE49-F238E27FC236}">
+                <a16:creationId xmlns:a16="http://schemas.microsoft.com/office/drawing/2014/main" id="{E21F2685-1586-41FD-8A11-0E49335AA928}"/>
               </a:ext>
             </a:extLst>
           </p:cNvPr>
@@ -4472,22 +3761,15 @@
         </p:nvSpPr>
         <p:spPr>
           <a:xfrm>
-            <a:off x="5432665" y="2115794"/>
-            <a:ext cx="1908115" cy="1395859"/>
+            <a:off x="2899835" y="2599247"/>
+            <a:ext cx="2429932" cy="1185344"/>
           </a:xfrm>
           <a:prstGeom prst="rect">
             <a:avLst/>
           </a:prstGeom>
           <a:solidFill>
-            <a:schemeClr val="bg2">
-              <a:lumMod val="75000"/>
-            </a:schemeClr>
+            <a:schemeClr val="bg1"/>
           </a:solidFill>
-          <a:ln>
-            <a:solidFill>
-              <a:schemeClr val="tx1"/>
-            </a:solidFill>
-          </a:ln>
         </p:spPr>
         <p:style>
           <a:lnRef idx="2">
@@ -4511,407 +3793,290 @@
           <a:p>
             <a:pPr algn="ctr"/>
             <a:r>
-              <a:rPr lang="zh-CN" altLang="en-US" dirty="0"/>
-              <a:t>适应特定领域</a:t>
-            </a:r>
-            <a:endParaRPr lang="en-US" altLang="zh-CN" dirty="0"/>
+              <a:rPr lang="zh-CN" altLang="en-US" sz="1400" dirty="0">
+                <a:solidFill>
+                  <a:schemeClr val="tx1"/>
+                </a:solidFill>
+              </a:rPr>
+              <a:t>新词发现模块</a:t>
+            </a:r>
+            <a:endParaRPr lang="en-US" altLang="zh-CN" sz="1400" dirty="0">
+              <a:solidFill>
+                <a:schemeClr val="tx1"/>
+              </a:solidFill>
+            </a:endParaRPr>
           </a:p>
           <a:p>
             <a:pPr algn="ctr"/>
             <a:r>
-              <a:rPr lang="en-US" altLang="zh-CN" dirty="0"/>
-              <a:t>model</a:t>
-            </a:r>
-            <a:endParaRPr lang="zh-CN" altLang="en-US" dirty="0"/>
-          </a:p>
-        </p:txBody>
-      </p:sp>
-      <p:cxnSp>
-        <p:nvCxnSpPr>
-          <p:cNvPr id="12" name="直接箭头连接符 11">
-            <a:extLst>
-              <a:ext uri="{FF2B5EF4-FFF2-40B4-BE49-F238E27FC236}">
-                <a16:creationId xmlns:a16="http://schemas.microsoft.com/office/drawing/2014/main" id="{CA43CCED-D441-4878-B9DF-E28E163D5702}"/>
-              </a:ext>
-            </a:extLst>
-          </p:cNvPr>
-          <p:cNvCxnSpPr>
-            <a:cxnSpLocks/>
-            <a:stCxn id="8" idx="3"/>
-            <a:endCxn id="9" idx="1"/>
-          </p:cNvCxnSpPr>
+              <a:rPr lang="en-US" altLang="zh-CN" sz="1400" dirty="0">
+                <a:solidFill>
+                  <a:schemeClr val="tx1"/>
+                </a:solidFill>
+              </a:rPr>
+              <a:t>New_word=input(context)</a:t>
+            </a:r>
+            <a:endParaRPr lang="zh-CN" altLang="en-US" sz="1400" dirty="0">
+              <a:solidFill>
+                <a:schemeClr val="tx1"/>
+              </a:solidFill>
+            </a:endParaRPr>
+          </a:p>
+        </p:txBody>
+      </p:sp>
+      <p:sp>
+        <p:nvSpPr>
+          <p:cNvPr id="6" name="矩形 5">
+            <a:extLst>
+              <a:ext uri="{FF2B5EF4-FFF2-40B4-BE49-F238E27FC236}">
+                <a16:creationId xmlns:a16="http://schemas.microsoft.com/office/drawing/2014/main" id="{96E7489E-F1F9-46F9-BEFF-66D689A066E4}"/>
+              </a:ext>
+            </a:extLst>
+          </p:cNvPr>
+          <p:cNvSpPr/>
           <p:nvPr/>
-        </p:nvCxnSpPr>
+        </p:nvSpPr>
         <p:spPr>
           <a:xfrm>
-            <a:off x="1799455" y="2858341"/>
-            <a:ext cx="787694" cy="0"/>
-          </a:xfrm>
-          <a:prstGeom prst="straightConnector1">
+            <a:off x="7135282" y="2599247"/>
+            <a:ext cx="1735666" cy="1185344"/>
+          </a:xfrm>
+          <a:prstGeom prst="rect">
             <a:avLst/>
           </a:prstGeom>
-          <a:ln>
-            <a:tailEnd type="triangle"/>
-          </a:ln>
+          <a:solidFill>
+            <a:schemeClr val="bg1"/>
+          </a:solidFill>
         </p:spPr>
         <p:style>
-          <a:lnRef idx="1">
-            <a:schemeClr val="accent1"/>
+          <a:lnRef idx="2">
+            <a:schemeClr val="accent1">
+              <a:shade val="50000"/>
+            </a:schemeClr>
           </a:lnRef>
-          <a:fillRef idx="0">
+          <a:fillRef idx="1">
             <a:schemeClr val="accent1"/>
           </a:fillRef>
           <a:effectRef idx="0">
             <a:schemeClr val="accent1"/>
           </a:effectRef>
           <a:fontRef idx="minor">
-            <a:schemeClr val="tx1"/>
+            <a:schemeClr val="lt1"/>
           </a:fontRef>
         </p:style>
-      </p:cxnSp>
-      <p:sp>
-        <p:nvSpPr>
-          <p:cNvPr id="14" name="文本框 13">
-            <a:extLst>
-              <a:ext uri="{FF2B5EF4-FFF2-40B4-BE49-F238E27FC236}">
-                <a16:creationId xmlns:a16="http://schemas.microsoft.com/office/drawing/2014/main" id="{5FDF5CE2-57A1-44ED-BCA1-A0EE72EE0BB2}"/>
-              </a:ext>
-            </a:extLst>
-          </p:cNvPr>
-          <p:cNvSpPr txBox="1"/>
+        <p:txBody>
+          <a:bodyPr rtlCol="0" anchor="ctr"/>
+          <a:lstStyle/>
+          <a:p>
+            <a:pPr algn="ctr"/>
+            <a:r>
+              <a:rPr lang="zh-CN" altLang="en-US" sz="1400" dirty="0">
+                <a:solidFill>
+                  <a:schemeClr val="tx1"/>
+                </a:solidFill>
+              </a:rPr>
+              <a:t>风格匹配模块</a:t>
+            </a:r>
+            <a:endParaRPr lang="en-US" altLang="zh-CN" sz="1400" dirty="0">
+              <a:solidFill>
+                <a:schemeClr val="tx1"/>
+              </a:solidFill>
+            </a:endParaRPr>
+          </a:p>
+          <a:p>
+            <a:pPr algn="ctr"/>
+            <a:r>
+              <a:rPr lang="en-US" altLang="zh-CN" sz="1400" dirty="0">
+                <a:solidFill>
+                  <a:schemeClr val="tx1"/>
+                </a:solidFill>
+              </a:rPr>
+              <a:t>Similarity</a:t>
+            </a:r>
+            <a:r>
+              <a:rPr lang="zh-CN" altLang="en-US" sz="1400" dirty="0">
+                <a:solidFill>
+                  <a:schemeClr val="tx1"/>
+                </a:solidFill>
+              </a:rPr>
+              <a:t>（</a:t>
+            </a:r>
+            <a:r>
+              <a:rPr lang="en-US" altLang="zh-CN" sz="1400" dirty="0">
+                <a:solidFill>
+                  <a:schemeClr val="tx1"/>
+                </a:solidFill>
+              </a:rPr>
+              <a:t>input_a,input_b</a:t>
+            </a:r>
+            <a:r>
+              <a:rPr lang="zh-CN" altLang="en-US" sz="1400" dirty="0">
+                <a:solidFill>
+                  <a:schemeClr val="tx1"/>
+                </a:solidFill>
+              </a:rPr>
+              <a:t>）</a:t>
+            </a:r>
+          </a:p>
+        </p:txBody>
+      </p:sp>
+      <p:sp>
+        <p:nvSpPr>
+          <p:cNvPr id="7" name="云形 6">
+            <a:extLst>
+              <a:ext uri="{FF2B5EF4-FFF2-40B4-BE49-F238E27FC236}">
+                <a16:creationId xmlns:a16="http://schemas.microsoft.com/office/drawing/2014/main" id="{760C4DFB-CC20-4A46-8D1C-8B145EEBC9C6}"/>
+              </a:ext>
+            </a:extLst>
+          </p:cNvPr>
+          <p:cNvSpPr/>
           <p:nvPr/>
         </p:nvSpPr>
         <p:spPr>
           <a:xfrm>
-            <a:off x="1739040" y="2571698"/>
-            <a:ext cx="862737" cy="307777"/>
-          </a:xfrm>
-          <a:prstGeom prst="rect">
+            <a:off x="2201336" y="766224"/>
+            <a:ext cx="1244599" cy="787405"/>
+          </a:xfrm>
+          <a:prstGeom prst="cloud">
             <a:avLst/>
           </a:prstGeom>
-          <a:noFill/>
-        </p:spPr>
-        <p:txBody>
-          <a:bodyPr wrap="none" rtlCol="0">
-            <a:spAutoFit/>
-          </a:bodyPr>
-          <a:lstStyle/>
-          <a:p>
-            <a:r>
-              <a:rPr lang="en-US" altLang="zh-CN" sz="1400" dirty="0"/>
-              <a:t>pre_train</a:t>
-            </a:r>
-            <a:endParaRPr lang="zh-CN" altLang="en-US" sz="1400" dirty="0"/>
-          </a:p>
-        </p:txBody>
-      </p:sp>
-      <p:cxnSp>
-        <p:nvCxnSpPr>
-          <p:cNvPr id="19" name="直接箭头连接符 18">
-            <a:extLst>
-              <a:ext uri="{FF2B5EF4-FFF2-40B4-BE49-F238E27FC236}">
-                <a16:creationId xmlns:a16="http://schemas.microsoft.com/office/drawing/2014/main" id="{40C7E7EF-2381-4F24-9107-B4DD171520AD}"/>
-              </a:ext>
-            </a:extLst>
-          </p:cNvPr>
-          <p:cNvCxnSpPr>
-            <a:cxnSpLocks/>
-          </p:cNvCxnSpPr>
-          <p:nvPr/>
-        </p:nvCxnSpPr>
-        <p:spPr>
-          <a:xfrm>
-            <a:off x="4412044" y="2843079"/>
-            <a:ext cx="1020621" cy="15261"/>
-          </a:xfrm>
-          <a:prstGeom prst="straightConnector1">
-            <a:avLst/>
-          </a:prstGeom>
-          <a:ln>
-            <a:tailEnd type="triangle"/>
-          </a:ln>
+          <a:solidFill>
+            <a:schemeClr val="bg1"/>
+          </a:solidFill>
         </p:spPr>
         <p:style>
-          <a:lnRef idx="1">
-            <a:schemeClr val="accent1"/>
+          <a:lnRef idx="2">
+            <a:schemeClr val="accent1">
+              <a:shade val="50000"/>
+            </a:schemeClr>
           </a:lnRef>
-          <a:fillRef idx="0">
+          <a:fillRef idx="1">
             <a:schemeClr val="accent1"/>
           </a:fillRef>
           <a:effectRef idx="0">
             <a:schemeClr val="accent1"/>
           </a:effectRef>
           <a:fontRef idx="minor">
-            <a:schemeClr val="tx1"/>
+            <a:schemeClr val="lt1"/>
           </a:fontRef>
         </p:style>
-      </p:cxnSp>
-      <p:pic>
-        <p:nvPicPr>
-          <p:cNvPr id="21" name="图片 20">
-            <a:extLst>
-              <a:ext uri="{FF2B5EF4-FFF2-40B4-BE49-F238E27FC236}">
-                <a16:creationId xmlns:a16="http://schemas.microsoft.com/office/drawing/2014/main" id="{E17B3A1B-2068-4956-9D63-701BE764172E}"/>
-              </a:ext>
-            </a:extLst>
-          </p:cNvPr>
-          <p:cNvPicPr>
-            <a:picLocks noChangeAspect="1"/>
-          </p:cNvPicPr>
+        <p:txBody>
+          <a:bodyPr rtlCol="0" anchor="ctr"/>
+          <a:lstStyle/>
+          <a:p>
+            <a:pPr algn="ctr"/>
+            <a:r>
+              <a:rPr lang="zh-CN" altLang="en-US" sz="1400" dirty="0">
+                <a:solidFill>
+                  <a:schemeClr val="tx1"/>
+                </a:solidFill>
+              </a:rPr>
+              <a:t>原始语料</a:t>
+            </a:r>
+            <a:r>
+              <a:rPr lang="en-US" altLang="zh-CN" sz="1400" dirty="0">
+                <a:solidFill>
+                  <a:schemeClr val="tx1"/>
+                </a:solidFill>
+              </a:rPr>
+              <a:t>a</a:t>
+            </a:r>
+            <a:endParaRPr lang="zh-CN" altLang="en-US" sz="1400" dirty="0">
+              <a:solidFill>
+                <a:schemeClr val="tx1"/>
+              </a:solidFill>
+            </a:endParaRPr>
+          </a:p>
+        </p:txBody>
+      </p:sp>
+      <p:sp>
+        <p:nvSpPr>
+          <p:cNvPr id="8" name="云形 7">
+            <a:extLst>
+              <a:ext uri="{FF2B5EF4-FFF2-40B4-BE49-F238E27FC236}">
+                <a16:creationId xmlns:a16="http://schemas.microsoft.com/office/drawing/2014/main" id="{07F2242F-4A8E-412E-B78D-E68302402E05}"/>
+              </a:ext>
+            </a:extLst>
+          </p:cNvPr>
+          <p:cNvSpPr/>
           <p:nvPr/>
-        </p:nvPicPr>
-        <p:blipFill>
-          <a:blip r:embed="rId3"/>
-          <a:stretch>
-            <a:fillRect/>
-          </a:stretch>
-        </p:blipFill>
+        </p:nvSpPr>
         <p:spPr>
           <a:xfrm>
-            <a:off x="3674535" y="4174067"/>
-            <a:ext cx="965954" cy="1064521"/>
-          </a:xfrm>
-          <a:prstGeom prst="rect">
+            <a:off x="7357533" y="766224"/>
+            <a:ext cx="1240617" cy="787405"/>
+          </a:xfrm>
+          <a:prstGeom prst="cloud">
             <a:avLst/>
           </a:prstGeom>
-        </p:spPr>
-      </p:pic>
-      <p:cxnSp>
-        <p:nvCxnSpPr>
-          <p:cNvPr id="24" name="直接箭头连接符 23">
-            <a:extLst>
-              <a:ext uri="{FF2B5EF4-FFF2-40B4-BE49-F238E27FC236}">
-                <a16:creationId xmlns:a16="http://schemas.microsoft.com/office/drawing/2014/main" id="{258A3CAD-7174-47C8-9F73-B82EB2A874ED}"/>
-              </a:ext>
-            </a:extLst>
-          </p:cNvPr>
-          <p:cNvCxnSpPr>
-            <a:cxnSpLocks/>
-          </p:cNvCxnSpPr>
-          <p:nvPr/>
-        </p:nvCxnSpPr>
-        <p:spPr>
-          <a:xfrm flipV="1">
-            <a:off x="4548953" y="3511653"/>
-            <a:ext cx="699740" cy="662414"/>
-          </a:xfrm>
-          <a:prstGeom prst="straightConnector1">
-            <a:avLst/>
-          </a:prstGeom>
-          <a:ln>
-            <a:tailEnd type="triangle"/>
-          </a:ln>
+          <a:solidFill>
+            <a:schemeClr val="bg1"/>
+          </a:solidFill>
         </p:spPr>
         <p:style>
-          <a:lnRef idx="1">
-            <a:schemeClr val="accent1"/>
+          <a:lnRef idx="2">
+            <a:schemeClr val="accent1">
+              <a:shade val="50000"/>
+            </a:schemeClr>
           </a:lnRef>
-          <a:fillRef idx="0">
+          <a:fillRef idx="1">
             <a:schemeClr val="accent1"/>
           </a:fillRef>
           <a:effectRef idx="0">
             <a:schemeClr val="accent1"/>
           </a:effectRef>
           <a:fontRef idx="minor">
-            <a:schemeClr val="tx1"/>
+            <a:schemeClr val="lt1"/>
           </a:fontRef>
         </p:style>
-      </p:cxnSp>
-      <p:sp>
-        <p:nvSpPr>
-          <p:cNvPr id="26" name="文本框 25">
-            <a:extLst>
-              <a:ext uri="{FF2B5EF4-FFF2-40B4-BE49-F238E27FC236}">
-                <a16:creationId xmlns:a16="http://schemas.microsoft.com/office/drawing/2014/main" id="{B7C4A48F-4E64-4E24-A7D2-2DE74D23E947}"/>
-              </a:ext>
-            </a:extLst>
-          </p:cNvPr>
-          <p:cNvSpPr txBox="1"/>
-          <p:nvPr/>
-        </p:nvSpPr>
-        <p:spPr>
-          <a:xfrm>
-            <a:off x="4379621" y="2592180"/>
-            <a:ext cx="1125232" cy="523220"/>
-          </a:xfrm>
-          <a:prstGeom prst="rect">
-            <a:avLst/>
-          </a:prstGeom>
-          <a:noFill/>
-        </p:spPr>
-        <p:txBody>
-          <a:bodyPr wrap="square" rtlCol="0">
-            <a:spAutoFit/>
-          </a:bodyPr>
-          <a:lstStyle/>
-          <a:p>
-            <a:r>
-              <a:rPr lang="zh-CN" altLang="en-US" sz="1400" dirty="0"/>
-              <a:t>针对特定领</a:t>
-            </a:r>
-            <a:endParaRPr lang="en-US" altLang="zh-CN" sz="1400" dirty="0"/>
-          </a:p>
-          <a:p>
-            <a:r>
-              <a:rPr lang="zh-CN" altLang="en-US" sz="1400" dirty="0"/>
-              <a:t>域进行微调</a:t>
-            </a:r>
-          </a:p>
-        </p:txBody>
-      </p:sp>
-      <p:sp>
-        <p:nvSpPr>
-          <p:cNvPr id="30" name="文本框 29">
-            <a:extLst>
-              <a:ext uri="{FF2B5EF4-FFF2-40B4-BE49-F238E27FC236}">
-                <a16:creationId xmlns:a16="http://schemas.microsoft.com/office/drawing/2014/main" id="{4FD31FF6-86D6-488B-A1D2-0E9848FD5E0A}"/>
-              </a:ext>
-            </a:extLst>
-          </p:cNvPr>
-          <p:cNvSpPr txBox="1"/>
-          <p:nvPr/>
-        </p:nvSpPr>
-        <p:spPr>
-          <a:xfrm>
-            <a:off x="817696" y="3236713"/>
-            <a:ext cx="1082348" cy="307777"/>
-          </a:xfrm>
-          <a:prstGeom prst="rect">
-            <a:avLst/>
-          </a:prstGeom>
-          <a:noFill/>
-        </p:spPr>
-        <p:txBody>
-          <a:bodyPr wrap="none" rtlCol="0">
-            <a:spAutoFit/>
-          </a:bodyPr>
-          <a:lstStyle/>
-          <a:p>
-            <a:r>
-              <a:rPr lang="zh-CN" altLang="en-US" sz="1400" dirty="0"/>
-              <a:t>未标记数据</a:t>
-            </a:r>
-          </a:p>
-        </p:txBody>
-      </p:sp>
-      <p:sp>
-        <p:nvSpPr>
-          <p:cNvPr id="31" name="文本框 30">
-            <a:extLst>
-              <a:ext uri="{FF2B5EF4-FFF2-40B4-BE49-F238E27FC236}">
-                <a16:creationId xmlns:a16="http://schemas.microsoft.com/office/drawing/2014/main" id="{DC52AE18-80CA-4C80-B649-E5080F226DCB}"/>
-              </a:ext>
-            </a:extLst>
-          </p:cNvPr>
-          <p:cNvSpPr txBox="1"/>
-          <p:nvPr/>
-        </p:nvSpPr>
-        <p:spPr>
-          <a:xfrm>
-            <a:off x="3616338" y="5182017"/>
-            <a:ext cx="1261884" cy="307777"/>
-          </a:xfrm>
-          <a:prstGeom prst="rect">
-            <a:avLst/>
-          </a:prstGeom>
-          <a:noFill/>
-        </p:spPr>
-        <p:txBody>
-          <a:bodyPr wrap="none" rtlCol="0">
-            <a:spAutoFit/>
-          </a:bodyPr>
-          <a:lstStyle/>
-          <a:p>
-            <a:r>
-              <a:rPr lang="zh-CN" altLang="en-US" sz="1400" dirty="0"/>
-              <a:t>特定领域数据</a:t>
-            </a:r>
-          </a:p>
-        </p:txBody>
-      </p:sp>
-      <p:sp>
-        <p:nvSpPr>
-          <p:cNvPr id="32" name="文本框 31">
-            <a:extLst>
-              <a:ext uri="{FF2B5EF4-FFF2-40B4-BE49-F238E27FC236}">
-                <a16:creationId xmlns:a16="http://schemas.microsoft.com/office/drawing/2014/main" id="{A930BDD6-5C24-4E04-A6B7-A10E244EA906}"/>
-              </a:ext>
-            </a:extLst>
-          </p:cNvPr>
-          <p:cNvSpPr txBox="1"/>
-          <p:nvPr/>
-        </p:nvSpPr>
-        <p:spPr>
-          <a:xfrm>
-            <a:off x="7418833" y="1574477"/>
-            <a:ext cx="753786" cy="523220"/>
-          </a:xfrm>
-          <a:prstGeom prst="rect">
-            <a:avLst/>
-          </a:prstGeom>
-          <a:noFill/>
-        </p:spPr>
-        <p:txBody>
-          <a:bodyPr wrap="square" rtlCol="0">
-            <a:spAutoFit/>
-          </a:bodyPr>
-          <a:lstStyle/>
-          <a:p>
-            <a:r>
-              <a:rPr lang="zh-CN" altLang="en-US" sz="1400" dirty="0"/>
-              <a:t>去除关键字</a:t>
-            </a:r>
-          </a:p>
-        </p:txBody>
-      </p:sp>
-      <p:pic>
-        <p:nvPicPr>
-          <p:cNvPr id="33" name="图片 32">
-            <a:extLst>
-              <a:ext uri="{FF2B5EF4-FFF2-40B4-BE49-F238E27FC236}">
-                <a16:creationId xmlns:a16="http://schemas.microsoft.com/office/drawing/2014/main" id="{34587F0E-C7AD-45E4-9F02-F081CC7C4170}"/>
-              </a:ext>
-            </a:extLst>
-          </p:cNvPr>
-          <p:cNvPicPr>
-            <a:picLocks noChangeAspect="1"/>
-          </p:cNvPicPr>
-          <p:nvPr/>
-        </p:nvPicPr>
-        <p:blipFill>
-          <a:blip r:embed="rId3"/>
-          <a:stretch>
-            <a:fillRect/>
-          </a:stretch>
-        </p:blipFill>
-        <p:spPr>
-          <a:xfrm>
-            <a:off x="6331271" y="771566"/>
-            <a:ext cx="965954" cy="1064521"/>
-          </a:xfrm>
-          <a:prstGeom prst="rect">
-            <a:avLst/>
-          </a:prstGeom>
-        </p:spPr>
-      </p:pic>
+        <p:txBody>
+          <a:bodyPr rtlCol="0" anchor="ctr"/>
+          <a:lstStyle/>
+          <a:p>
+            <a:pPr algn="ctr"/>
+            <a:r>
+              <a:rPr lang="zh-CN" altLang="en-US" sz="1400" dirty="0">
+                <a:solidFill>
+                  <a:schemeClr val="tx1"/>
+                </a:solidFill>
+              </a:rPr>
+              <a:t>关键字语料</a:t>
+            </a:r>
+            <a:r>
+              <a:rPr lang="en-US" altLang="zh-CN" sz="1400" dirty="0">
+                <a:solidFill>
+                  <a:schemeClr val="tx1"/>
+                </a:solidFill>
+              </a:rPr>
+              <a:t>b</a:t>
+            </a:r>
+            <a:endParaRPr lang="zh-CN" altLang="en-US" sz="1400" dirty="0">
+              <a:solidFill>
+                <a:schemeClr val="tx1"/>
+              </a:solidFill>
+            </a:endParaRPr>
+          </a:p>
+        </p:txBody>
+      </p:sp>
       <p:cxnSp>
         <p:nvCxnSpPr>
-          <p:cNvPr id="34" name="直接箭头连接符 33">
-            <a:extLst>
-              <a:ext uri="{FF2B5EF4-FFF2-40B4-BE49-F238E27FC236}">
-                <a16:creationId xmlns:a16="http://schemas.microsoft.com/office/drawing/2014/main" id="{ACF7BF30-0E7E-470F-B5FB-01A23E6AAB56}"/>
+          <p:cNvPr id="10" name="直接箭头连接符 9">
+            <a:extLst>
+              <a:ext uri="{FF2B5EF4-FFF2-40B4-BE49-F238E27FC236}">
+                <a16:creationId xmlns:a16="http://schemas.microsoft.com/office/drawing/2014/main" id="{CB89987E-7E13-46A6-8336-0D4ED5B7DD95}"/>
               </a:ext>
             </a:extLst>
           </p:cNvPr>
           <p:cNvCxnSpPr>
-            <a:cxnSpLocks/>
+            <a:stCxn id="7" idx="0"/>
+            <a:endCxn id="4" idx="1"/>
           </p:cNvCxnSpPr>
           <p:nvPr/>
         </p:nvCxnSpPr>
         <p:spPr>
           <a:xfrm>
-            <a:off x="7340780" y="2827818"/>
-            <a:ext cx="1020621" cy="15261"/>
+            <a:off x="3444898" y="1159927"/>
+            <a:ext cx="1017036" cy="1"/>
           </a:xfrm>
           <a:prstGeom prst="straightConnector1">
             <a:avLst/>
@@ -4937,22 +4102,20 @@
       </p:cxnSp>
       <p:cxnSp>
         <p:nvCxnSpPr>
-          <p:cNvPr id="38" name="直接箭头连接符 37">
-            <a:extLst>
-              <a:ext uri="{FF2B5EF4-FFF2-40B4-BE49-F238E27FC236}">
-                <a16:creationId xmlns:a16="http://schemas.microsoft.com/office/drawing/2014/main" id="{F969A0C4-2C31-4A5E-97B0-B5DC2A7D8018}"/>
-              </a:ext>
-            </a:extLst>
-          </p:cNvPr>
-          <p:cNvCxnSpPr>
-            <a:cxnSpLocks/>
-          </p:cNvCxnSpPr>
+          <p:cNvPr id="11" name="直接箭头连接符 10">
+            <a:extLst>
+              <a:ext uri="{FF2B5EF4-FFF2-40B4-BE49-F238E27FC236}">
+                <a16:creationId xmlns:a16="http://schemas.microsoft.com/office/drawing/2014/main" id="{78690336-A11C-484A-9235-2FEF4523FEB4}"/>
+              </a:ext>
+            </a:extLst>
+          </p:cNvPr>
+          <p:cNvCxnSpPr/>
           <p:nvPr/>
         </p:nvCxnSpPr>
         <p:spPr>
           <a:xfrm>
-            <a:off x="7186533" y="1340752"/>
-            <a:ext cx="1107695" cy="1025892"/>
+            <a:off x="6341534" y="1159925"/>
+            <a:ext cx="1017036" cy="1"/>
           </a:xfrm>
           <a:prstGeom prst="straightConnector1">
             <a:avLst/>
@@ -4976,12 +4139,54 @@
           </a:fontRef>
         </p:style>
       </p:cxnSp>
-      <p:sp>
-        <p:nvSpPr>
-          <p:cNvPr id="41" name="文本框 40">
-            <a:extLst>
-              <a:ext uri="{FF2B5EF4-FFF2-40B4-BE49-F238E27FC236}">
-                <a16:creationId xmlns:a16="http://schemas.microsoft.com/office/drawing/2014/main" id="{B5860597-584B-476F-AC4E-31461BF9363E}"/>
+      <p:cxnSp>
+        <p:nvCxnSpPr>
+          <p:cNvPr id="13" name="直接箭头连接符 12">
+            <a:extLst>
+              <a:ext uri="{FF2B5EF4-FFF2-40B4-BE49-F238E27FC236}">
+                <a16:creationId xmlns:a16="http://schemas.microsoft.com/office/drawing/2014/main" id="{3058C8B5-A2C9-41FA-8A46-1D5066C6D8AF}"/>
+              </a:ext>
+            </a:extLst>
+          </p:cNvPr>
+          <p:cNvCxnSpPr>
+            <a:cxnSpLocks/>
+            <a:stCxn id="8" idx="1"/>
+          </p:cNvCxnSpPr>
+          <p:nvPr/>
+        </p:nvCxnSpPr>
+        <p:spPr>
+          <a:xfrm>
+            <a:off x="7977842" y="1552791"/>
+            <a:ext cx="25274" cy="1046456"/>
+          </a:xfrm>
+          <a:prstGeom prst="straightConnector1">
+            <a:avLst/>
+          </a:prstGeom>
+          <a:ln>
+            <a:tailEnd type="triangle"/>
+          </a:ln>
+        </p:spPr>
+        <p:style>
+          <a:lnRef idx="1">
+            <a:schemeClr val="dk1"/>
+          </a:lnRef>
+          <a:fillRef idx="0">
+            <a:schemeClr val="dk1"/>
+          </a:fillRef>
+          <a:effectRef idx="0">
+            <a:schemeClr val="dk1"/>
+          </a:effectRef>
+          <a:fontRef idx="minor">
+            <a:schemeClr val="tx1"/>
+          </a:fontRef>
+        </p:style>
+      </p:cxnSp>
+      <p:sp>
+        <p:nvSpPr>
+          <p:cNvPr id="16" name="文本框 15">
+            <a:extLst>
+              <a:ext uri="{FF2B5EF4-FFF2-40B4-BE49-F238E27FC236}">
+                <a16:creationId xmlns:a16="http://schemas.microsoft.com/office/drawing/2014/main" id="{6EA8F70F-2F2B-45E9-8418-DDF4C3FB72C0}"/>
               </a:ext>
             </a:extLst>
           </p:cNvPr>
@@ -4990,8 +4195,8 @@
         </p:nvSpPr>
         <p:spPr>
           <a:xfrm>
-            <a:off x="7288475" y="2581469"/>
-            <a:ext cx="1125232" cy="307777"/>
+            <a:off x="8003115" y="1836632"/>
+            <a:ext cx="1082348" cy="307777"/>
           </a:xfrm>
           <a:prstGeom prst="rect">
             <a:avLst/>
@@ -4999,24 +4204,63 @@
           <a:noFill/>
         </p:spPr>
         <p:txBody>
-          <a:bodyPr wrap="square" rtlCol="0">
+          <a:bodyPr wrap="none" rtlCol="0">
             <a:spAutoFit/>
           </a:bodyPr>
           <a:lstStyle/>
           <a:p>
             <a:r>
               <a:rPr lang="zh-CN" altLang="en-US" sz="1400" dirty="0"/>
-              <a:t>掩码预测</a:t>
-            </a:r>
-          </a:p>
-        </p:txBody>
-      </p:sp>
-      <p:sp>
-        <p:nvSpPr>
-          <p:cNvPr id="42" name="文本框 41">
-            <a:extLst>
-              <a:ext uri="{FF2B5EF4-FFF2-40B4-BE49-F238E27FC236}">
-                <a16:creationId xmlns:a16="http://schemas.microsoft.com/office/drawing/2014/main" id="{7A9E47B9-5AEB-45F1-9BC6-715D93405756}"/>
+              <a:t>假阳性排除</a:t>
+            </a:r>
+          </a:p>
+        </p:txBody>
+      </p:sp>
+      <p:cxnSp>
+        <p:nvCxnSpPr>
+          <p:cNvPr id="17" name="直接箭头连接符 16">
+            <a:extLst>
+              <a:ext uri="{FF2B5EF4-FFF2-40B4-BE49-F238E27FC236}">
+                <a16:creationId xmlns:a16="http://schemas.microsoft.com/office/drawing/2014/main" id="{6E11948A-F18D-4489-A57F-1075019040EC}"/>
+              </a:ext>
+            </a:extLst>
+          </p:cNvPr>
+          <p:cNvCxnSpPr/>
+          <p:nvPr/>
+        </p:nvCxnSpPr>
+        <p:spPr>
+          <a:xfrm flipH="1">
+            <a:off x="8005229" y="3784591"/>
+            <a:ext cx="1" cy="1046456"/>
+          </a:xfrm>
+          <a:prstGeom prst="straightConnector1">
+            <a:avLst/>
+          </a:prstGeom>
+          <a:ln>
+            <a:tailEnd type="triangle"/>
+          </a:ln>
+        </p:spPr>
+        <p:style>
+          <a:lnRef idx="1">
+            <a:schemeClr val="dk1"/>
+          </a:lnRef>
+          <a:fillRef idx="0">
+            <a:schemeClr val="dk1"/>
+          </a:fillRef>
+          <a:effectRef idx="0">
+            <a:schemeClr val="dk1"/>
+          </a:effectRef>
+          <a:fontRef idx="minor">
+            <a:schemeClr val="tx1"/>
+          </a:fontRef>
+        </p:style>
+      </p:cxnSp>
+      <p:sp>
+        <p:nvSpPr>
+          <p:cNvPr id="18" name="文本框 17">
+            <a:extLst>
+              <a:ext uri="{FF2B5EF4-FFF2-40B4-BE49-F238E27FC236}">
+                <a16:creationId xmlns:a16="http://schemas.microsoft.com/office/drawing/2014/main" id="{5221F1E3-EE1C-4B0B-8182-C0FE4AE2E93B}"/>
               </a:ext>
             </a:extLst>
           </p:cNvPr>
@@ -5025,8 +4269,8 @@
         </p:nvSpPr>
         <p:spPr>
           <a:xfrm>
-            <a:off x="6183306" y="556098"/>
-            <a:ext cx="1261884" cy="307777"/>
+            <a:off x="8003115" y="4039375"/>
+            <a:ext cx="543739" cy="307777"/>
           </a:xfrm>
           <a:prstGeom prst="rect">
             <a:avLst/>
@@ -5041,17 +4285,99 @@
           <a:p>
             <a:r>
               <a:rPr lang="zh-CN" altLang="en-US" sz="1400" dirty="0"/>
-              <a:t>带禁用词句子</a:t>
-            </a:r>
-          </a:p>
-        </p:txBody>
-      </p:sp>
-      <p:sp>
-        <p:nvSpPr>
-          <p:cNvPr id="43" name="文本框 42">
-            <a:extLst>
-              <a:ext uri="{FF2B5EF4-FFF2-40B4-BE49-F238E27FC236}">
-                <a16:creationId xmlns:a16="http://schemas.microsoft.com/office/drawing/2014/main" id="{43A16EBD-17A8-4D5F-9BD6-DF953A639ACB}"/>
+              <a:t>交付</a:t>
+            </a:r>
+          </a:p>
+        </p:txBody>
+      </p:sp>
+      <p:cxnSp>
+        <p:nvCxnSpPr>
+          <p:cNvPr id="20" name="直接箭头连接符 19">
+            <a:extLst>
+              <a:ext uri="{FF2B5EF4-FFF2-40B4-BE49-F238E27FC236}">
+                <a16:creationId xmlns:a16="http://schemas.microsoft.com/office/drawing/2014/main" id="{46D57EE2-8403-43E2-9DB3-24EC42BF1D19}"/>
+              </a:ext>
+            </a:extLst>
+          </p:cNvPr>
+          <p:cNvCxnSpPr/>
+          <p:nvPr/>
+        </p:nvCxnSpPr>
+        <p:spPr>
+          <a:xfrm>
+            <a:off x="2899835" y="1552791"/>
+            <a:ext cx="4235447" cy="1046456"/>
+          </a:xfrm>
+          <a:prstGeom prst="straightConnector1">
+            <a:avLst/>
+          </a:prstGeom>
+          <a:ln>
+            <a:tailEnd type="triangle"/>
+          </a:ln>
+        </p:spPr>
+        <p:style>
+          <a:lnRef idx="2">
+            <a:schemeClr val="accent6"/>
+          </a:lnRef>
+          <a:fillRef idx="0">
+            <a:schemeClr val="accent6"/>
+          </a:fillRef>
+          <a:effectRef idx="1">
+            <a:schemeClr val="accent6"/>
+          </a:effectRef>
+          <a:fontRef idx="minor">
+            <a:schemeClr val="tx1"/>
+          </a:fontRef>
+        </p:style>
+      </p:cxnSp>
+      <p:cxnSp>
+        <p:nvCxnSpPr>
+          <p:cNvPr id="24" name="直接箭头连接符 23">
+            <a:extLst>
+              <a:ext uri="{FF2B5EF4-FFF2-40B4-BE49-F238E27FC236}">
+                <a16:creationId xmlns:a16="http://schemas.microsoft.com/office/drawing/2014/main" id="{0D2F3CED-D6B2-4DDD-9CA2-ABBFE2B43378}"/>
+              </a:ext>
+            </a:extLst>
+          </p:cNvPr>
+          <p:cNvCxnSpPr>
+            <a:cxnSpLocks/>
+            <a:stCxn id="6" idx="1"/>
+            <a:endCxn id="5" idx="3"/>
+          </p:cNvCxnSpPr>
+          <p:nvPr/>
+        </p:nvCxnSpPr>
+        <p:spPr>
+          <a:xfrm flipH="1">
+            <a:off x="5329767" y="3191919"/>
+            <a:ext cx="1805515" cy="0"/>
+          </a:xfrm>
+          <a:prstGeom prst="straightConnector1">
+            <a:avLst/>
+          </a:prstGeom>
+          <a:ln>
+            <a:tailEnd type="triangle"/>
+          </a:ln>
+        </p:spPr>
+        <p:style>
+          <a:lnRef idx="2">
+            <a:schemeClr val="accent6"/>
+          </a:lnRef>
+          <a:fillRef idx="0">
+            <a:schemeClr val="accent6"/>
+          </a:fillRef>
+          <a:effectRef idx="1">
+            <a:schemeClr val="accent6"/>
+          </a:effectRef>
+          <a:fontRef idx="minor">
+            <a:schemeClr val="tx1"/>
+          </a:fontRef>
+        </p:style>
+      </p:cxnSp>
+      <p:sp>
+        <p:nvSpPr>
+          <p:cNvPr id="26" name="文本框 25">
+            <a:extLst>
+              <a:ext uri="{FF2B5EF4-FFF2-40B4-BE49-F238E27FC236}">
+                <a16:creationId xmlns:a16="http://schemas.microsoft.com/office/drawing/2014/main" id="{E3623D14-286D-4C72-8903-DDE99D033291}"/>
               </a:ext>
             </a:extLst>
           </p:cNvPr>
@@ -5060,8 +4386,8 @@
         </p:nvSpPr>
         <p:spPr>
           <a:xfrm>
-            <a:off x="833501" y="5493188"/>
-            <a:ext cx="10594439" cy="1107996"/>
+            <a:off x="5639464" y="2852731"/>
+            <a:ext cx="902811" cy="307777"/>
           </a:xfrm>
           <a:prstGeom prst="rect">
             <a:avLst/>
@@ -5069,57 +4395,22 @@
           <a:noFill/>
         </p:spPr>
         <p:txBody>
-          <a:bodyPr wrap="square" rtlCol="0">
+          <a:bodyPr wrap="none" rtlCol="0">
             <a:spAutoFit/>
           </a:bodyPr>
           <a:lstStyle/>
           <a:p>
             <a:r>
-              <a:rPr lang="zh-CN" altLang="en-US" sz="1600" dirty="0"/>
-              <a:t>采用</a:t>
-            </a:r>
-            <a:r>
-              <a:rPr lang="en-US" altLang="zh-CN" sz="1600" dirty="0"/>
-              <a:t>MLM</a:t>
-            </a:r>
-            <a:r>
-              <a:rPr lang="zh-CN" altLang="en-US" sz="1600" dirty="0"/>
-              <a:t>：无监督形式免去了标注的难题，任务目标由发现句子中的术语，变为发现语料中的新的术语。有监督模型容易学到词级别的特征，容易过拟合。对于</a:t>
-            </a:r>
-            <a:r>
-              <a:rPr lang="en-US" altLang="zh-CN" sz="1600" dirty="0"/>
-              <a:t>MLM</a:t>
-            </a:r>
-            <a:r>
-              <a:rPr lang="zh-CN" altLang="en-US" sz="1600" dirty="0"/>
-              <a:t>模型，它只是学习了语料特征，有更好的鲁棒性。</a:t>
-            </a:r>
-            <a:endParaRPr lang="en-US" altLang="zh-CN" sz="1600" dirty="0"/>
-          </a:p>
-          <a:p>
-            <a:r>
-              <a:rPr lang="zh-CN" altLang="en-US" sz="1600" dirty="0"/>
-              <a:t>模型优化：变更为短语级别的</a:t>
-            </a:r>
-            <a:r>
-              <a:rPr lang="en-US" altLang="zh-CN" sz="1600" dirty="0"/>
-              <a:t>MLM</a:t>
-            </a:r>
-            <a:r>
-              <a:rPr lang="zh-CN" altLang="en-US" sz="1600" dirty="0"/>
-              <a:t>，结合中文特征，针对假阳性、假阴性进行分析提出更多处理过程来提升模型表现。</a:t>
-            </a:r>
-            <a:endParaRPr lang="en-US" altLang="zh-CN" sz="1600" dirty="0"/>
-          </a:p>
-          <a:p>
-            <a:endParaRPr lang="zh-CN" altLang="en-US" dirty="0"/>
+              <a:rPr lang="zh-CN" altLang="en-US" sz="1400" dirty="0"/>
+              <a:t>语料补充</a:t>
+            </a:r>
           </a:p>
         </p:txBody>
       </p:sp>
     </p:spTree>
     <p:extLst>
       <p:ext uri="{BB962C8B-B14F-4D97-AF65-F5344CB8AC3E}">
-        <p14:creationId xmlns:p14="http://schemas.microsoft.com/office/powerpoint/2010/main" val="2785505447"/>
+        <p14:creationId xmlns:p14="http://schemas.microsoft.com/office/powerpoint/2010/main" val="4118232126"/>
       </p:ext>
     </p:extLst>
   </p:cSld>
@@ -5148,10 +4439,10 @@
       </p:grpSpPr>
       <p:sp>
         <p:nvSpPr>
-          <p:cNvPr id="2" name="矩形 1">
-            <a:extLst>
-              <a:ext uri="{FF2B5EF4-FFF2-40B4-BE49-F238E27FC236}">
-                <a16:creationId xmlns:a16="http://schemas.microsoft.com/office/drawing/2014/main" id="{9B49063E-6595-4990-8603-F3E7F6D8911B}"/>
+          <p:cNvPr id="4" name="矩形 3">
+            <a:extLst>
+              <a:ext uri="{FF2B5EF4-FFF2-40B4-BE49-F238E27FC236}">
+                <a16:creationId xmlns:a16="http://schemas.microsoft.com/office/drawing/2014/main" id="{318BCE62-3709-48C5-9295-81484819C35C}"/>
               </a:ext>
             </a:extLst>
           </p:cNvPr>
@@ -5160,8 +4451,8 @@
         </p:nvSpPr>
         <p:spPr>
           <a:xfrm>
-            <a:off x="350954" y="385966"/>
-            <a:ext cx="1735666" cy="1185344"/>
+            <a:off x="590462" y="453980"/>
+            <a:ext cx="1452032" cy="849847"/>
           </a:xfrm>
           <a:prstGeom prst="rect">
             <a:avLst/>
@@ -5197,7 +4488,7 @@
                   <a:schemeClr val="tx1"/>
                 </a:solidFill>
               </a:rPr>
-              <a:t>风格匹配模块</a:t>
+              <a:t>新词发现模块</a:t>
             </a:r>
             <a:endParaRPr lang="en-US" altLang="zh-CN" sz="1600" dirty="0">
               <a:solidFill>
@@ -5205,49 +4496,43 @@
               </a:solidFill>
             </a:endParaRPr>
           </a:p>
-          <a:p>
-            <a:pPr algn="ctr"/>
-            <a:r>
-              <a:rPr lang="en-US" altLang="zh-CN" sz="1600" dirty="0">
-                <a:solidFill>
-                  <a:schemeClr val="tx1"/>
-                </a:solidFill>
-              </a:rPr>
-              <a:t>Similarity</a:t>
-            </a:r>
-            <a:r>
-              <a:rPr lang="zh-CN" altLang="en-US" sz="1600" dirty="0">
-                <a:solidFill>
-                  <a:schemeClr val="tx1"/>
-                </a:solidFill>
-              </a:rPr>
-              <a:t>（</a:t>
-            </a:r>
-            <a:r>
-              <a:rPr lang="en-US" altLang="zh-CN" sz="1600" dirty="0">
-                <a:solidFill>
-                  <a:schemeClr val="tx1"/>
-                </a:solidFill>
-              </a:rPr>
-              <a:t>input_a,input_b</a:t>
-            </a:r>
-            <a:r>
-              <a:rPr lang="zh-CN" altLang="en-US" sz="1600" dirty="0">
-                <a:solidFill>
-                  <a:schemeClr val="tx1"/>
-                </a:solidFill>
-              </a:rPr>
-              <a:t>）</a:t>
-            </a:r>
-          </a:p>
         </p:txBody>
       </p:sp>
       <p:pic>
         <p:nvPicPr>
-          <p:cNvPr id="3" name="图片 2">
-            <a:extLst>
-              <a:ext uri="{FF2B5EF4-FFF2-40B4-BE49-F238E27FC236}">
-                <a16:creationId xmlns:a16="http://schemas.microsoft.com/office/drawing/2014/main" id="{6F2B4A7B-12D2-4065-B46B-2E579BAFA134}"/>
+          <p:cNvPr id="6" name="图片 5">
+            <a:extLst>
+              <a:ext uri="{FF2B5EF4-FFF2-40B4-BE49-F238E27FC236}">
+                <a16:creationId xmlns:a16="http://schemas.microsoft.com/office/drawing/2014/main" id="{0F7A45D1-CE4F-40C3-8BBA-6057FE8358F1}"/>
+              </a:ext>
+            </a:extLst>
+          </p:cNvPr>
+          <p:cNvPicPr>
+            <a:picLocks noChangeAspect="1"/>
+          </p:cNvPicPr>
+          <p:nvPr/>
+        </p:nvPicPr>
+        <p:blipFill rotWithShape="1">
+          <a:blip r:embed="rId2"/>
+          <a:srcRect t="-194" r="10058" b="8761"/>
+          <a:stretch/>
+        </p:blipFill>
+        <p:spPr>
+          <a:xfrm>
+            <a:off x="6838299" y="1435704"/>
+            <a:ext cx="3725043" cy="3909794"/>
+          </a:xfrm>
+          <a:prstGeom prst="rect">
+            <a:avLst/>
+          </a:prstGeom>
+        </p:spPr>
+      </p:pic>
+      <p:pic>
+        <p:nvPicPr>
+          <p:cNvPr id="8" name="图片 7">
+            <a:extLst>
+              <a:ext uri="{FF2B5EF4-FFF2-40B4-BE49-F238E27FC236}">
+                <a16:creationId xmlns:a16="http://schemas.microsoft.com/office/drawing/2014/main" id="{9BBD9324-408A-48F3-9F05-839DD2A4E9EB}"/>
               </a:ext>
             </a:extLst>
           </p:cNvPr>
@@ -5257,27 +4542,57 @@
           <p:nvPr/>
         </p:nvPicPr>
         <p:blipFill>
-          <a:blip r:embed="rId2"/>
+          <a:blip r:embed="rId3"/>
           <a:stretch>
             <a:fillRect/>
           </a:stretch>
         </p:blipFill>
         <p:spPr>
           <a:xfrm>
-            <a:off x="3353836" y="1796651"/>
-            <a:ext cx="3746765" cy="1994680"/>
+            <a:off x="833501" y="2326080"/>
+            <a:ext cx="965954" cy="1064521"/>
           </a:xfrm>
           <a:prstGeom prst="rect">
             <a:avLst/>
           </a:prstGeom>
         </p:spPr>
       </p:pic>
-      <p:sp>
-        <p:nvSpPr>
-          <p:cNvPr id="4" name="云形 3">
-            <a:extLst>
-              <a:ext uri="{FF2B5EF4-FFF2-40B4-BE49-F238E27FC236}">
-                <a16:creationId xmlns:a16="http://schemas.microsoft.com/office/drawing/2014/main" id="{7A55357A-59D4-48BA-8938-53BAB3B49B4A}"/>
+      <p:pic>
+        <p:nvPicPr>
+          <p:cNvPr id="9" name="图片 8">
+            <a:extLst>
+              <a:ext uri="{FF2B5EF4-FFF2-40B4-BE49-F238E27FC236}">
+                <a16:creationId xmlns:a16="http://schemas.microsoft.com/office/drawing/2014/main" id="{23722A4D-67DD-4FF2-A2EF-57B2205F4DC8}"/>
+              </a:ext>
+            </a:extLst>
+          </p:cNvPr>
+          <p:cNvPicPr>
+            <a:picLocks noChangeAspect="1"/>
+          </p:cNvPicPr>
+          <p:nvPr/>
+        </p:nvPicPr>
+        <p:blipFill>
+          <a:blip r:embed="rId4"/>
+          <a:stretch>
+            <a:fillRect/>
+          </a:stretch>
+        </p:blipFill>
+        <p:spPr>
+          <a:xfrm>
+            <a:off x="2587149" y="2119481"/>
+            <a:ext cx="1824895" cy="1477720"/>
+          </a:xfrm>
+          <a:prstGeom prst="rect">
+            <a:avLst/>
+          </a:prstGeom>
+        </p:spPr>
+      </p:pic>
+      <p:sp>
+        <p:nvSpPr>
+          <p:cNvPr id="10" name="矩形 9">
+            <a:extLst>
+              <a:ext uri="{FF2B5EF4-FFF2-40B4-BE49-F238E27FC236}">
+                <a16:creationId xmlns:a16="http://schemas.microsoft.com/office/drawing/2014/main" id="{8D5B28D0-DFB4-4CAC-B843-B24804FF0C02}"/>
               </a:ext>
             </a:extLst>
           </p:cNvPr>
@@ -5286,15 +4601,22 @@
         </p:nvSpPr>
         <p:spPr>
           <a:xfrm>
-            <a:off x="1096183" y="2484957"/>
-            <a:ext cx="1240617" cy="787405"/>
-          </a:xfrm>
-          <a:prstGeom prst="cloud">
+            <a:off x="5432665" y="2115794"/>
+            <a:ext cx="1908115" cy="1395859"/>
+          </a:xfrm>
+          <a:prstGeom prst="rect">
             <a:avLst/>
           </a:prstGeom>
           <a:solidFill>
-            <a:schemeClr val="bg1"/>
+            <a:schemeClr val="bg2">
+              <a:lumMod val="75000"/>
+            </a:schemeClr>
           </a:solidFill>
+          <a:ln>
+            <a:solidFill>
+              <a:schemeClr val="tx1"/>
+            </a:solidFill>
+          </a:ln>
         </p:spPr>
         <p:style>
           <a:lnRef idx="2">
@@ -5318,45 +4640,41 @@
           <a:p>
             <a:pPr algn="ctr"/>
             <a:r>
-              <a:rPr lang="zh-CN" altLang="en-US" sz="1600" dirty="0">
-                <a:solidFill>
-                  <a:schemeClr val="tx1"/>
-                </a:solidFill>
-              </a:rPr>
-              <a:t>关键字语料</a:t>
-            </a:r>
-            <a:r>
-              <a:rPr lang="en-US" altLang="zh-CN" sz="1600" dirty="0">
-                <a:solidFill>
-                  <a:schemeClr val="tx1"/>
-                </a:solidFill>
-              </a:rPr>
-              <a:t>b</a:t>
-            </a:r>
-            <a:endParaRPr lang="zh-CN" altLang="en-US" sz="1600" dirty="0">
-              <a:solidFill>
-                <a:schemeClr val="tx1"/>
-              </a:solidFill>
-            </a:endParaRPr>
+              <a:rPr lang="zh-CN" altLang="en-US" dirty="0"/>
+              <a:t>适应特定领域</a:t>
+            </a:r>
+            <a:endParaRPr lang="en-US" altLang="zh-CN" dirty="0"/>
+          </a:p>
+          <a:p>
+            <a:pPr algn="ctr"/>
+            <a:r>
+              <a:rPr lang="en-US" altLang="zh-CN" dirty="0"/>
+              <a:t>model</a:t>
+            </a:r>
+            <a:endParaRPr lang="zh-CN" altLang="en-US" dirty="0"/>
           </a:p>
         </p:txBody>
       </p:sp>
       <p:cxnSp>
         <p:nvCxnSpPr>
-          <p:cNvPr id="5" name="直接箭头连接符 4">
-            <a:extLst>
-              <a:ext uri="{FF2B5EF4-FFF2-40B4-BE49-F238E27FC236}">
-                <a16:creationId xmlns:a16="http://schemas.microsoft.com/office/drawing/2014/main" id="{7577B5A7-6725-4D86-BB30-049BA778EEB8}"/>
-              </a:ext>
-            </a:extLst>
-          </p:cNvPr>
-          <p:cNvCxnSpPr/>
+          <p:cNvPr id="12" name="直接箭头连接符 11">
+            <a:extLst>
+              <a:ext uri="{FF2B5EF4-FFF2-40B4-BE49-F238E27FC236}">
+                <a16:creationId xmlns:a16="http://schemas.microsoft.com/office/drawing/2014/main" id="{CA43CCED-D441-4878-B9DF-E28E163D5702}"/>
+              </a:ext>
+            </a:extLst>
+          </p:cNvPr>
+          <p:cNvCxnSpPr>
+            <a:cxnSpLocks/>
+            <a:stCxn id="8" idx="3"/>
+            <a:endCxn id="9" idx="1"/>
+          </p:cNvCxnSpPr>
           <p:nvPr/>
         </p:nvCxnSpPr>
         <p:spPr>
           <a:xfrm>
-            <a:off x="2336800" y="2793991"/>
-            <a:ext cx="1017036" cy="1"/>
+            <a:off x="1799455" y="2858341"/>
+            <a:ext cx="787694" cy="0"/>
           </a:xfrm>
           <a:prstGeom prst="straightConnector1">
             <a:avLst/>
@@ -5382,6 +4700,817 @@
       </p:cxnSp>
       <p:sp>
         <p:nvSpPr>
+          <p:cNvPr id="14" name="文本框 13">
+            <a:extLst>
+              <a:ext uri="{FF2B5EF4-FFF2-40B4-BE49-F238E27FC236}">
+                <a16:creationId xmlns:a16="http://schemas.microsoft.com/office/drawing/2014/main" id="{5FDF5CE2-57A1-44ED-BCA1-A0EE72EE0BB2}"/>
+              </a:ext>
+            </a:extLst>
+          </p:cNvPr>
+          <p:cNvSpPr txBox="1"/>
+          <p:nvPr/>
+        </p:nvSpPr>
+        <p:spPr>
+          <a:xfrm>
+            <a:off x="1739040" y="2571698"/>
+            <a:ext cx="862737" cy="307777"/>
+          </a:xfrm>
+          <a:prstGeom prst="rect">
+            <a:avLst/>
+          </a:prstGeom>
+          <a:noFill/>
+        </p:spPr>
+        <p:txBody>
+          <a:bodyPr wrap="none" rtlCol="0">
+            <a:spAutoFit/>
+          </a:bodyPr>
+          <a:lstStyle/>
+          <a:p>
+            <a:r>
+              <a:rPr lang="en-US" altLang="zh-CN" sz="1400" dirty="0"/>
+              <a:t>pre_train</a:t>
+            </a:r>
+            <a:endParaRPr lang="zh-CN" altLang="en-US" sz="1400" dirty="0"/>
+          </a:p>
+        </p:txBody>
+      </p:sp>
+      <p:cxnSp>
+        <p:nvCxnSpPr>
+          <p:cNvPr id="19" name="直接箭头连接符 18">
+            <a:extLst>
+              <a:ext uri="{FF2B5EF4-FFF2-40B4-BE49-F238E27FC236}">
+                <a16:creationId xmlns:a16="http://schemas.microsoft.com/office/drawing/2014/main" id="{40C7E7EF-2381-4F24-9107-B4DD171520AD}"/>
+              </a:ext>
+            </a:extLst>
+          </p:cNvPr>
+          <p:cNvCxnSpPr>
+            <a:cxnSpLocks/>
+          </p:cNvCxnSpPr>
+          <p:nvPr/>
+        </p:nvCxnSpPr>
+        <p:spPr>
+          <a:xfrm>
+            <a:off x="4412044" y="2843079"/>
+            <a:ext cx="1020621" cy="15261"/>
+          </a:xfrm>
+          <a:prstGeom prst="straightConnector1">
+            <a:avLst/>
+          </a:prstGeom>
+          <a:ln>
+            <a:tailEnd type="triangle"/>
+          </a:ln>
+        </p:spPr>
+        <p:style>
+          <a:lnRef idx="1">
+            <a:schemeClr val="accent1"/>
+          </a:lnRef>
+          <a:fillRef idx="0">
+            <a:schemeClr val="accent1"/>
+          </a:fillRef>
+          <a:effectRef idx="0">
+            <a:schemeClr val="accent1"/>
+          </a:effectRef>
+          <a:fontRef idx="minor">
+            <a:schemeClr val="tx1"/>
+          </a:fontRef>
+        </p:style>
+      </p:cxnSp>
+      <p:pic>
+        <p:nvPicPr>
+          <p:cNvPr id="21" name="图片 20">
+            <a:extLst>
+              <a:ext uri="{FF2B5EF4-FFF2-40B4-BE49-F238E27FC236}">
+                <a16:creationId xmlns:a16="http://schemas.microsoft.com/office/drawing/2014/main" id="{E17B3A1B-2068-4956-9D63-701BE764172E}"/>
+              </a:ext>
+            </a:extLst>
+          </p:cNvPr>
+          <p:cNvPicPr>
+            <a:picLocks noChangeAspect="1"/>
+          </p:cNvPicPr>
+          <p:nvPr/>
+        </p:nvPicPr>
+        <p:blipFill>
+          <a:blip r:embed="rId3"/>
+          <a:stretch>
+            <a:fillRect/>
+          </a:stretch>
+        </p:blipFill>
+        <p:spPr>
+          <a:xfrm>
+            <a:off x="3674535" y="4174067"/>
+            <a:ext cx="965954" cy="1064521"/>
+          </a:xfrm>
+          <a:prstGeom prst="rect">
+            <a:avLst/>
+          </a:prstGeom>
+        </p:spPr>
+      </p:pic>
+      <p:cxnSp>
+        <p:nvCxnSpPr>
+          <p:cNvPr id="24" name="直接箭头连接符 23">
+            <a:extLst>
+              <a:ext uri="{FF2B5EF4-FFF2-40B4-BE49-F238E27FC236}">
+                <a16:creationId xmlns:a16="http://schemas.microsoft.com/office/drawing/2014/main" id="{258A3CAD-7174-47C8-9F73-B82EB2A874ED}"/>
+              </a:ext>
+            </a:extLst>
+          </p:cNvPr>
+          <p:cNvCxnSpPr>
+            <a:cxnSpLocks/>
+          </p:cNvCxnSpPr>
+          <p:nvPr/>
+        </p:nvCxnSpPr>
+        <p:spPr>
+          <a:xfrm flipV="1">
+            <a:off x="4548953" y="3511653"/>
+            <a:ext cx="699740" cy="662414"/>
+          </a:xfrm>
+          <a:prstGeom prst="straightConnector1">
+            <a:avLst/>
+          </a:prstGeom>
+          <a:ln>
+            <a:tailEnd type="triangle"/>
+          </a:ln>
+        </p:spPr>
+        <p:style>
+          <a:lnRef idx="1">
+            <a:schemeClr val="accent1"/>
+          </a:lnRef>
+          <a:fillRef idx="0">
+            <a:schemeClr val="accent1"/>
+          </a:fillRef>
+          <a:effectRef idx="0">
+            <a:schemeClr val="accent1"/>
+          </a:effectRef>
+          <a:fontRef idx="minor">
+            <a:schemeClr val="tx1"/>
+          </a:fontRef>
+        </p:style>
+      </p:cxnSp>
+      <p:sp>
+        <p:nvSpPr>
+          <p:cNvPr id="26" name="文本框 25">
+            <a:extLst>
+              <a:ext uri="{FF2B5EF4-FFF2-40B4-BE49-F238E27FC236}">
+                <a16:creationId xmlns:a16="http://schemas.microsoft.com/office/drawing/2014/main" id="{B7C4A48F-4E64-4E24-A7D2-2DE74D23E947}"/>
+              </a:ext>
+            </a:extLst>
+          </p:cNvPr>
+          <p:cNvSpPr txBox="1"/>
+          <p:nvPr/>
+        </p:nvSpPr>
+        <p:spPr>
+          <a:xfrm>
+            <a:off x="4379621" y="2592180"/>
+            <a:ext cx="1125232" cy="523220"/>
+          </a:xfrm>
+          <a:prstGeom prst="rect">
+            <a:avLst/>
+          </a:prstGeom>
+          <a:noFill/>
+        </p:spPr>
+        <p:txBody>
+          <a:bodyPr wrap="square" rtlCol="0">
+            <a:spAutoFit/>
+          </a:bodyPr>
+          <a:lstStyle/>
+          <a:p>
+            <a:r>
+              <a:rPr lang="zh-CN" altLang="en-US" sz="1400" dirty="0"/>
+              <a:t>针对特定领</a:t>
+            </a:r>
+            <a:endParaRPr lang="en-US" altLang="zh-CN" sz="1400" dirty="0"/>
+          </a:p>
+          <a:p>
+            <a:r>
+              <a:rPr lang="zh-CN" altLang="en-US" sz="1400" dirty="0"/>
+              <a:t>域进行微调</a:t>
+            </a:r>
+          </a:p>
+        </p:txBody>
+      </p:sp>
+      <p:sp>
+        <p:nvSpPr>
+          <p:cNvPr id="30" name="文本框 29">
+            <a:extLst>
+              <a:ext uri="{FF2B5EF4-FFF2-40B4-BE49-F238E27FC236}">
+                <a16:creationId xmlns:a16="http://schemas.microsoft.com/office/drawing/2014/main" id="{4FD31FF6-86D6-488B-A1D2-0E9848FD5E0A}"/>
+              </a:ext>
+            </a:extLst>
+          </p:cNvPr>
+          <p:cNvSpPr txBox="1"/>
+          <p:nvPr/>
+        </p:nvSpPr>
+        <p:spPr>
+          <a:xfrm>
+            <a:off x="817696" y="3236713"/>
+            <a:ext cx="1082348" cy="307777"/>
+          </a:xfrm>
+          <a:prstGeom prst="rect">
+            <a:avLst/>
+          </a:prstGeom>
+          <a:noFill/>
+        </p:spPr>
+        <p:txBody>
+          <a:bodyPr wrap="none" rtlCol="0">
+            <a:spAutoFit/>
+          </a:bodyPr>
+          <a:lstStyle/>
+          <a:p>
+            <a:r>
+              <a:rPr lang="zh-CN" altLang="en-US" sz="1400" dirty="0"/>
+              <a:t>未标记数据</a:t>
+            </a:r>
+          </a:p>
+        </p:txBody>
+      </p:sp>
+      <p:sp>
+        <p:nvSpPr>
+          <p:cNvPr id="31" name="文本框 30">
+            <a:extLst>
+              <a:ext uri="{FF2B5EF4-FFF2-40B4-BE49-F238E27FC236}">
+                <a16:creationId xmlns:a16="http://schemas.microsoft.com/office/drawing/2014/main" id="{DC52AE18-80CA-4C80-B649-E5080F226DCB}"/>
+              </a:ext>
+            </a:extLst>
+          </p:cNvPr>
+          <p:cNvSpPr txBox="1"/>
+          <p:nvPr/>
+        </p:nvSpPr>
+        <p:spPr>
+          <a:xfrm>
+            <a:off x="3616338" y="5182017"/>
+            <a:ext cx="1261884" cy="307777"/>
+          </a:xfrm>
+          <a:prstGeom prst="rect">
+            <a:avLst/>
+          </a:prstGeom>
+          <a:noFill/>
+        </p:spPr>
+        <p:txBody>
+          <a:bodyPr wrap="none" rtlCol="0">
+            <a:spAutoFit/>
+          </a:bodyPr>
+          <a:lstStyle/>
+          <a:p>
+            <a:r>
+              <a:rPr lang="zh-CN" altLang="en-US" sz="1400" dirty="0"/>
+              <a:t>特定领域数据</a:t>
+            </a:r>
+          </a:p>
+        </p:txBody>
+      </p:sp>
+      <p:sp>
+        <p:nvSpPr>
+          <p:cNvPr id="32" name="文本框 31">
+            <a:extLst>
+              <a:ext uri="{FF2B5EF4-FFF2-40B4-BE49-F238E27FC236}">
+                <a16:creationId xmlns:a16="http://schemas.microsoft.com/office/drawing/2014/main" id="{A930BDD6-5C24-4E04-A6B7-A10E244EA906}"/>
+              </a:ext>
+            </a:extLst>
+          </p:cNvPr>
+          <p:cNvSpPr txBox="1"/>
+          <p:nvPr/>
+        </p:nvSpPr>
+        <p:spPr>
+          <a:xfrm>
+            <a:off x="7418833" y="1574477"/>
+            <a:ext cx="753786" cy="523220"/>
+          </a:xfrm>
+          <a:prstGeom prst="rect">
+            <a:avLst/>
+          </a:prstGeom>
+          <a:noFill/>
+        </p:spPr>
+        <p:txBody>
+          <a:bodyPr wrap="square" rtlCol="0">
+            <a:spAutoFit/>
+          </a:bodyPr>
+          <a:lstStyle/>
+          <a:p>
+            <a:r>
+              <a:rPr lang="zh-CN" altLang="en-US" sz="1400" dirty="0"/>
+              <a:t>去除关键字</a:t>
+            </a:r>
+          </a:p>
+        </p:txBody>
+      </p:sp>
+      <p:pic>
+        <p:nvPicPr>
+          <p:cNvPr id="33" name="图片 32">
+            <a:extLst>
+              <a:ext uri="{FF2B5EF4-FFF2-40B4-BE49-F238E27FC236}">
+                <a16:creationId xmlns:a16="http://schemas.microsoft.com/office/drawing/2014/main" id="{34587F0E-C7AD-45E4-9F02-F081CC7C4170}"/>
+              </a:ext>
+            </a:extLst>
+          </p:cNvPr>
+          <p:cNvPicPr>
+            <a:picLocks noChangeAspect="1"/>
+          </p:cNvPicPr>
+          <p:nvPr/>
+        </p:nvPicPr>
+        <p:blipFill>
+          <a:blip r:embed="rId3"/>
+          <a:stretch>
+            <a:fillRect/>
+          </a:stretch>
+        </p:blipFill>
+        <p:spPr>
+          <a:xfrm>
+            <a:off x="6331271" y="771566"/>
+            <a:ext cx="965954" cy="1064521"/>
+          </a:xfrm>
+          <a:prstGeom prst="rect">
+            <a:avLst/>
+          </a:prstGeom>
+        </p:spPr>
+      </p:pic>
+      <p:cxnSp>
+        <p:nvCxnSpPr>
+          <p:cNvPr id="34" name="直接箭头连接符 33">
+            <a:extLst>
+              <a:ext uri="{FF2B5EF4-FFF2-40B4-BE49-F238E27FC236}">
+                <a16:creationId xmlns:a16="http://schemas.microsoft.com/office/drawing/2014/main" id="{ACF7BF30-0E7E-470F-B5FB-01A23E6AAB56}"/>
+              </a:ext>
+            </a:extLst>
+          </p:cNvPr>
+          <p:cNvCxnSpPr>
+            <a:cxnSpLocks/>
+          </p:cNvCxnSpPr>
+          <p:nvPr/>
+        </p:nvCxnSpPr>
+        <p:spPr>
+          <a:xfrm>
+            <a:off x="7340780" y="2827818"/>
+            <a:ext cx="1020621" cy="15261"/>
+          </a:xfrm>
+          <a:prstGeom prst="straightConnector1">
+            <a:avLst/>
+          </a:prstGeom>
+          <a:ln>
+            <a:tailEnd type="triangle"/>
+          </a:ln>
+        </p:spPr>
+        <p:style>
+          <a:lnRef idx="1">
+            <a:schemeClr val="accent1"/>
+          </a:lnRef>
+          <a:fillRef idx="0">
+            <a:schemeClr val="accent1"/>
+          </a:fillRef>
+          <a:effectRef idx="0">
+            <a:schemeClr val="accent1"/>
+          </a:effectRef>
+          <a:fontRef idx="minor">
+            <a:schemeClr val="tx1"/>
+          </a:fontRef>
+        </p:style>
+      </p:cxnSp>
+      <p:cxnSp>
+        <p:nvCxnSpPr>
+          <p:cNvPr id="38" name="直接箭头连接符 37">
+            <a:extLst>
+              <a:ext uri="{FF2B5EF4-FFF2-40B4-BE49-F238E27FC236}">
+                <a16:creationId xmlns:a16="http://schemas.microsoft.com/office/drawing/2014/main" id="{F969A0C4-2C31-4A5E-97B0-B5DC2A7D8018}"/>
+              </a:ext>
+            </a:extLst>
+          </p:cNvPr>
+          <p:cNvCxnSpPr>
+            <a:cxnSpLocks/>
+          </p:cNvCxnSpPr>
+          <p:nvPr/>
+        </p:nvCxnSpPr>
+        <p:spPr>
+          <a:xfrm>
+            <a:off x="7186533" y="1340752"/>
+            <a:ext cx="1107695" cy="1025892"/>
+          </a:xfrm>
+          <a:prstGeom prst="straightConnector1">
+            <a:avLst/>
+          </a:prstGeom>
+          <a:ln>
+            <a:tailEnd type="triangle"/>
+          </a:ln>
+        </p:spPr>
+        <p:style>
+          <a:lnRef idx="1">
+            <a:schemeClr val="accent1"/>
+          </a:lnRef>
+          <a:fillRef idx="0">
+            <a:schemeClr val="accent1"/>
+          </a:fillRef>
+          <a:effectRef idx="0">
+            <a:schemeClr val="accent1"/>
+          </a:effectRef>
+          <a:fontRef idx="minor">
+            <a:schemeClr val="tx1"/>
+          </a:fontRef>
+        </p:style>
+      </p:cxnSp>
+      <p:sp>
+        <p:nvSpPr>
+          <p:cNvPr id="41" name="文本框 40">
+            <a:extLst>
+              <a:ext uri="{FF2B5EF4-FFF2-40B4-BE49-F238E27FC236}">
+                <a16:creationId xmlns:a16="http://schemas.microsoft.com/office/drawing/2014/main" id="{B5860597-584B-476F-AC4E-31461BF9363E}"/>
+              </a:ext>
+            </a:extLst>
+          </p:cNvPr>
+          <p:cNvSpPr txBox="1"/>
+          <p:nvPr/>
+        </p:nvSpPr>
+        <p:spPr>
+          <a:xfrm>
+            <a:off x="7418833" y="2542932"/>
+            <a:ext cx="1125232" cy="307777"/>
+          </a:xfrm>
+          <a:prstGeom prst="rect">
+            <a:avLst/>
+          </a:prstGeom>
+          <a:noFill/>
+        </p:spPr>
+        <p:txBody>
+          <a:bodyPr wrap="square" rtlCol="0">
+            <a:spAutoFit/>
+          </a:bodyPr>
+          <a:lstStyle/>
+          <a:p>
+            <a:r>
+              <a:rPr lang="zh-CN" altLang="en-US" sz="1400" dirty="0"/>
+              <a:t>掩码预测</a:t>
+            </a:r>
+          </a:p>
+        </p:txBody>
+      </p:sp>
+      <p:sp>
+        <p:nvSpPr>
+          <p:cNvPr id="42" name="文本框 41">
+            <a:extLst>
+              <a:ext uri="{FF2B5EF4-FFF2-40B4-BE49-F238E27FC236}">
+                <a16:creationId xmlns:a16="http://schemas.microsoft.com/office/drawing/2014/main" id="{7A9E47B9-5AEB-45F1-9BC6-715D93405756}"/>
+              </a:ext>
+            </a:extLst>
+          </p:cNvPr>
+          <p:cNvSpPr txBox="1"/>
+          <p:nvPr/>
+        </p:nvSpPr>
+        <p:spPr>
+          <a:xfrm>
+            <a:off x="6183306" y="556098"/>
+            <a:ext cx="1261884" cy="307777"/>
+          </a:xfrm>
+          <a:prstGeom prst="rect">
+            <a:avLst/>
+          </a:prstGeom>
+          <a:noFill/>
+        </p:spPr>
+        <p:txBody>
+          <a:bodyPr wrap="none" rtlCol="0">
+            <a:spAutoFit/>
+          </a:bodyPr>
+          <a:lstStyle/>
+          <a:p>
+            <a:r>
+              <a:rPr lang="zh-CN" altLang="en-US" sz="1400" dirty="0"/>
+              <a:t>带禁用词句子</a:t>
+            </a:r>
+          </a:p>
+        </p:txBody>
+      </p:sp>
+      <p:sp>
+        <p:nvSpPr>
+          <p:cNvPr id="43" name="文本框 42">
+            <a:extLst>
+              <a:ext uri="{FF2B5EF4-FFF2-40B4-BE49-F238E27FC236}">
+                <a16:creationId xmlns:a16="http://schemas.microsoft.com/office/drawing/2014/main" id="{43A16EBD-17A8-4D5F-9BD6-DF953A639ACB}"/>
+              </a:ext>
+            </a:extLst>
+          </p:cNvPr>
+          <p:cNvSpPr txBox="1"/>
+          <p:nvPr/>
+        </p:nvSpPr>
+        <p:spPr>
+          <a:xfrm>
+            <a:off x="833501" y="5493188"/>
+            <a:ext cx="10594439" cy="1107996"/>
+          </a:xfrm>
+          <a:prstGeom prst="rect">
+            <a:avLst/>
+          </a:prstGeom>
+          <a:noFill/>
+        </p:spPr>
+        <p:txBody>
+          <a:bodyPr wrap="square" rtlCol="0">
+            <a:spAutoFit/>
+          </a:bodyPr>
+          <a:lstStyle/>
+          <a:p>
+            <a:r>
+              <a:rPr lang="zh-CN" altLang="en-US" sz="1600" dirty="0"/>
+              <a:t>采用</a:t>
+            </a:r>
+            <a:r>
+              <a:rPr lang="en-US" altLang="zh-CN" sz="1600" dirty="0"/>
+              <a:t>MLM</a:t>
+            </a:r>
+            <a:r>
+              <a:rPr lang="zh-CN" altLang="en-US" sz="1600" dirty="0"/>
+              <a:t>：无监督形式免去了标注的难题，任务目标由发现句子中的术语，变为发现语料中的新的术语。有监督模型容易学到词级别的特征，容易过拟合。对于</a:t>
+            </a:r>
+            <a:r>
+              <a:rPr lang="en-US" altLang="zh-CN" sz="1600" dirty="0"/>
+              <a:t>MLM</a:t>
+            </a:r>
+            <a:r>
+              <a:rPr lang="zh-CN" altLang="en-US" sz="1600" dirty="0"/>
+              <a:t>模型，它只是学习了语料特征，有更好的鲁棒性。</a:t>
+            </a:r>
+            <a:endParaRPr lang="en-US" altLang="zh-CN" sz="1600" dirty="0"/>
+          </a:p>
+          <a:p>
+            <a:r>
+              <a:rPr lang="zh-CN" altLang="en-US" sz="1600" dirty="0"/>
+              <a:t>模型优化：变更为短语级别的</a:t>
+            </a:r>
+            <a:r>
+              <a:rPr lang="en-US" altLang="zh-CN" sz="1600" dirty="0"/>
+              <a:t>MLM</a:t>
+            </a:r>
+            <a:r>
+              <a:rPr lang="zh-CN" altLang="en-US" sz="1600" dirty="0"/>
+              <a:t>，结合中文特征，针对假阳性、假阴性进行分析提出更多处理过程来提升模型表现。</a:t>
+            </a:r>
+            <a:endParaRPr lang="en-US" altLang="zh-CN" sz="1600" dirty="0"/>
+          </a:p>
+          <a:p>
+            <a:endParaRPr lang="zh-CN" altLang="en-US" dirty="0"/>
+          </a:p>
+        </p:txBody>
+      </p:sp>
+    </p:spTree>
+    <p:extLst>
+      <p:ext uri="{BB962C8B-B14F-4D97-AF65-F5344CB8AC3E}">
+        <p14:creationId xmlns:p14="http://schemas.microsoft.com/office/powerpoint/2010/main" val="2785505447"/>
+      </p:ext>
+    </p:extLst>
+  </p:cSld>
+  <p:clrMapOvr>
+    <a:masterClrMapping/>
+  </p:clrMapOvr>
+</p:sld>
+</file>
+
+<file path=ppt/slides/slide5.xml><?xml version="1.0" encoding="utf-8"?>
+<p:sld xmlns:a="http://schemas.openxmlformats.org/drawingml/2006/main" xmlns:r="http://schemas.openxmlformats.org/officeDocument/2006/relationships" xmlns:p="http://schemas.openxmlformats.org/presentationml/2006/main">
+  <p:cSld>
+    <p:spTree>
+      <p:nvGrpSpPr>
+        <p:cNvPr id="1" name=""/>
+        <p:cNvGrpSpPr/>
+        <p:nvPr/>
+      </p:nvGrpSpPr>
+      <p:grpSpPr>
+        <a:xfrm>
+          <a:off x="0" y="0"/>
+          <a:ext cx="0" cy="0"/>
+          <a:chOff x="0" y="0"/>
+          <a:chExt cx="0" cy="0"/>
+        </a:xfrm>
+      </p:grpSpPr>
+      <p:sp>
+        <p:nvSpPr>
+          <p:cNvPr id="2" name="矩形 1">
+            <a:extLst>
+              <a:ext uri="{FF2B5EF4-FFF2-40B4-BE49-F238E27FC236}">
+                <a16:creationId xmlns:a16="http://schemas.microsoft.com/office/drawing/2014/main" id="{9B49063E-6595-4990-8603-F3E7F6D8911B}"/>
+              </a:ext>
+            </a:extLst>
+          </p:cNvPr>
+          <p:cNvSpPr/>
+          <p:nvPr/>
+        </p:nvSpPr>
+        <p:spPr>
+          <a:xfrm>
+            <a:off x="350954" y="385966"/>
+            <a:ext cx="1735666" cy="1185344"/>
+          </a:xfrm>
+          <a:prstGeom prst="rect">
+            <a:avLst/>
+          </a:prstGeom>
+          <a:solidFill>
+            <a:schemeClr val="bg1"/>
+          </a:solidFill>
+        </p:spPr>
+        <p:style>
+          <a:lnRef idx="2">
+            <a:schemeClr val="accent1">
+              <a:shade val="50000"/>
+            </a:schemeClr>
+          </a:lnRef>
+          <a:fillRef idx="1">
+            <a:schemeClr val="accent1"/>
+          </a:fillRef>
+          <a:effectRef idx="0">
+            <a:schemeClr val="accent1"/>
+          </a:effectRef>
+          <a:fontRef idx="minor">
+            <a:schemeClr val="lt1"/>
+          </a:fontRef>
+        </p:style>
+        <p:txBody>
+          <a:bodyPr rtlCol="0" anchor="ctr"/>
+          <a:lstStyle/>
+          <a:p>
+            <a:pPr algn="ctr"/>
+            <a:r>
+              <a:rPr lang="zh-CN" altLang="en-US" sz="1600" dirty="0">
+                <a:solidFill>
+                  <a:schemeClr val="tx1"/>
+                </a:solidFill>
+              </a:rPr>
+              <a:t>风格匹配模块</a:t>
+            </a:r>
+            <a:endParaRPr lang="en-US" altLang="zh-CN" sz="1600" dirty="0">
+              <a:solidFill>
+                <a:schemeClr val="tx1"/>
+              </a:solidFill>
+            </a:endParaRPr>
+          </a:p>
+          <a:p>
+            <a:pPr algn="ctr"/>
+            <a:r>
+              <a:rPr lang="en-US" altLang="zh-CN" sz="1600" dirty="0">
+                <a:solidFill>
+                  <a:schemeClr val="tx1"/>
+                </a:solidFill>
+              </a:rPr>
+              <a:t>Similarity</a:t>
+            </a:r>
+            <a:r>
+              <a:rPr lang="zh-CN" altLang="en-US" sz="1600" dirty="0">
+                <a:solidFill>
+                  <a:schemeClr val="tx1"/>
+                </a:solidFill>
+              </a:rPr>
+              <a:t>（</a:t>
+            </a:r>
+            <a:r>
+              <a:rPr lang="en-US" altLang="zh-CN" sz="1600" dirty="0">
+                <a:solidFill>
+                  <a:schemeClr val="tx1"/>
+                </a:solidFill>
+              </a:rPr>
+              <a:t>input_a,input_b</a:t>
+            </a:r>
+            <a:r>
+              <a:rPr lang="zh-CN" altLang="en-US" sz="1600" dirty="0">
+                <a:solidFill>
+                  <a:schemeClr val="tx1"/>
+                </a:solidFill>
+              </a:rPr>
+              <a:t>）</a:t>
+            </a:r>
+          </a:p>
+        </p:txBody>
+      </p:sp>
+      <p:pic>
+        <p:nvPicPr>
+          <p:cNvPr id="3" name="图片 2">
+            <a:extLst>
+              <a:ext uri="{FF2B5EF4-FFF2-40B4-BE49-F238E27FC236}">
+                <a16:creationId xmlns:a16="http://schemas.microsoft.com/office/drawing/2014/main" id="{6F2B4A7B-12D2-4065-B46B-2E579BAFA134}"/>
+              </a:ext>
+            </a:extLst>
+          </p:cNvPr>
+          <p:cNvPicPr>
+            <a:picLocks noChangeAspect="1"/>
+          </p:cNvPicPr>
+          <p:nvPr/>
+        </p:nvPicPr>
+        <p:blipFill>
+          <a:blip r:embed="rId2"/>
+          <a:stretch>
+            <a:fillRect/>
+          </a:stretch>
+        </p:blipFill>
+        <p:spPr>
+          <a:xfrm>
+            <a:off x="3353836" y="1796651"/>
+            <a:ext cx="3746765" cy="1994680"/>
+          </a:xfrm>
+          <a:prstGeom prst="rect">
+            <a:avLst/>
+          </a:prstGeom>
+        </p:spPr>
+      </p:pic>
+      <p:sp>
+        <p:nvSpPr>
+          <p:cNvPr id="4" name="云形 3">
+            <a:extLst>
+              <a:ext uri="{FF2B5EF4-FFF2-40B4-BE49-F238E27FC236}">
+                <a16:creationId xmlns:a16="http://schemas.microsoft.com/office/drawing/2014/main" id="{7A55357A-59D4-48BA-8938-53BAB3B49B4A}"/>
+              </a:ext>
+            </a:extLst>
+          </p:cNvPr>
+          <p:cNvSpPr/>
+          <p:nvPr/>
+        </p:nvSpPr>
+        <p:spPr>
+          <a:xfrm>
+            <a:off x="1096183" y="2484957"/>
+            <a:ext cx="1240617" cy="787405"/>
+          </a:xfrm>
+          <a:prstGeom prst="cloud">
+            <a:avLst/>
+          </a:prstGeom>
+          <a:solidFill>
+            <a:schemeClr val="bg1"/>
+          </a:solidFill>
+        </p:spPr>
+        <p:style>
+          <a:lnRef idx="2">
+            <a:schemeClr val="accent1">
+              <a:shade val="50000"/>
+            </a:schemeClr>
+          </a:lnRef>
+          <a:fillRef idx="1">
+            <a:schemeClr val="accent1"/>
+          </a:fillRef>
+          <a:effectRef idx="0">
+            <a:schemeClr val="accent1"/>
+          </a:effectRef>
+          <a:fontRef idx="minor">
+            <a:schemeClr val="lt1"/>
+          </a:fontRef>
+        </p:style>
+        <p:txBody>
+          <a:bodyPr rtlCol="0" anchor="ctr"/>
+          <a:lstStyle/>
+          <a:p>
+            <a:pPr algn="ctr"/>
+            <a:r>
+              <a:rPr lang="zh-CN" altLang="en-US" sz="1600" dirty="0">
+                <a:solidFill>
+                  <a:schemeClr val="tx1"/>
+                </a:solidFill>
+              </a:rPr>
+              <a:t>关键字语料</a:t>
+            </a:r>
+            <a:r>
+              <a:rPr lang="en-US" altLang="zh-CN" sz="1600" dirty="0">
+                <a:solidFill>
+                  <a:schemeClr val="tx1"/>
+                </a:solidFill>
+              </a:rPr>
+              <a:t>b</a:t>
+            </a:r>
+            <a:endParaRPr lang="zh-CN" altLang="en-US" sz="1600" dirty="0">
+              <a:solidFill>
+                <a:schemeClr val="tx1"/>
+              </a:solidFill>
+            </a:endParaRPr>
+          </a:p>
+        </p:txBody>
+      </p:sp>
+      <p:cxnSp>
+        <p:nvCxnSpPr>
+          <p:cNvPr id="5" name="直接箭头连接符 4">
+            <a:extLst>
+              <a:ext uri="{FF2B5EF4-FFF2-40B4-BE49-F238E27FC236}">
+                <a16:creationId xmlns:a16="http://schemas.microsoft.com/office/drawing/2014/main" id="{7577B5A7-6725-4D86-BB30-049BA778EEB8}"/>
+              </a:ext>
+            </a:extLst>
+          </p:cNvPr>
+          <p:cNvCxnSpPr/>
+          <p:nvPr/>
+        </p:nvCxnSpPr>
+        <p:spPr>
+          <a:xfrm>
+            <a:off x="2336800" y="2793991"/>
+            <a:ext cx="1017036" cy="1"/>
+          </a:xfrm>
+          <a:prstGeom prst="straightConnector1">
+            <a:avLst/>
+          </a:prstGeom>
+          <a:ln>
+            <a:tailEnd type="triangle"/>
+          </a:ln>
+        </p:spPr>
+        <p:style>
+          <a:lnRef idx="1">
+            <a:schemeClr val="accent1"/>
+          </a:lnRef>
+          <a:fillRef idx="0">
+            <a:schemeClr val="accent1"/>
+          </a:fillRef>
+          <a:effectRef idx="0">
+            <a:schemeClr val="accent1"/>
+          </a:effectRef>
+          <a:fontRef idx="minor">
+            <a:schemeClr val="tx1"/>
+          </a:fontRef>
+        </p:style>
+      </p:cxnSp>
+      <p:sp>
+        <p:nvSpPr>
           <p:cNvPr id="6" name="文本框 5">
             <a:extLst>
               <a:ext uri="{FF2B5EF4-FFF2-40B4-BE49-F238E27FC236}">
@@ -5444,7 +5573,7 @@
 </p:sld>
 </file>
 
-<file path=ppt/slides/slide5.xml><?xml version="1.0" encoding="utf-8"?>
+<file path=ppt/slides/slide6.xml><?xml version="1.0" encoding="utf-8"?>
 <p:sld xmlns:a="http://schemas.openxmlformats.org/drawingml/2006/main" xmlns:r="http://schemas.openxmlformats.org/officeDocument/2006/relationships" xmlns:p="http://schemas.openxmlformats.org/presentationml/2006/main">
   <p:cSld>
     <p:spTree>
